--- a/docs/[JoyFitness] 전시회용 미니 게임_JoyRun.pptx
+++ b/docs/[JoyFitness] 전시회용 미니 게임_JoyRun.pptx
@@ -5,7 +5,7 @@
     <p:sldMasterId id="2147483648" r:id="rId1"/>
   </p:sldMasterIdLst>
   <p:notesMasterIdLst>
-    <p:notesMasterId r:id="rId16"/>
+    <p:notesMasterId r:id="rId18"/>
   </p:notesMasterIdLst>
   <p:sldIdLst>
     <p:sldId id="258" r:id="rId2"/>
@@ -22,6 +22,8 @@
     <p:sldId id="723" r:id="rId13"/>
     <p:sldId id="725" r:id="rId14"/>
     <p:sldId id="726" r:id="rId15"/>
+    <p:sldId id="727" r:id="rId16"/>
+    <p:sldId id="728" r:id="rId17"/>
   </p:sldIdLst>
   <p:sldSz cx="12192000" cy="6858000"/>
   <p:notesSz cx="6802438" cy="9934575"/>
@@ -222,7 +224,7 @@
           <a:p>
             <a:fld id="{2386921C-F2C2-450F-8CE0-097405885515}" type="datetimeFigureOut">
               <a:rPr lang="ko-KR" altLang="en-US" smtClean="0"/>
-              <a:t>2020-07-21</a:t>
+              <a:t>2021-01-04</a:t>
             </a:fld>
             <a:endParaRPr lang="ko-KR" altLang="en-US"/>
           </a:p>
@@ -621,7 +623,7 @@
           <a:p>
             <a:fld id="{6FECA6D4-DCCA-4949-BEF9-A9086E06B1B7}" type="datetime1">
               <a:rPr lang="ko-KR" altLang="en-US" smtClean="0"/>
-              <a:t>2020-07-21</a:t>
+              <a:t>2021-01-04</a:t>
             </a:fld>
             <a:endParaRPr lang="ko-KR" altLang="en-US"/>
           </a:p>
@@ -791,7 +793,7 @@
           <a:p>
             <a:fld id="{61D66971-119A-4B55-B1BD-4ED7BC2CB7AD}" type="datetime1">
               <a:rPr lang="ko-KR" altLang="en-US" smtClean="0"/>
-              <a:t>2020-07-21</a:t>
+              <a:t>2021-01-04</a:t>
             </a:fld>
             <a:endParaRPr lang="ko-KR" altLang="en-US"/>
           </a:p>
@@ -971,7 +973,7 @@
           <a:p>
             <a:fld id="{B867013F-155C-4FB3-BB21-5694D54F303C}" type="datetime1">
               <a:rPr lang="ko-KR" altLang="en-US" smtClean="0"/>
-              <a:t>2020-07-21</a:t>
+              <a:t>2021-01-04</a:t>
             </a:fld>
             <a:endParaRPr lang="ko-KR" altLang="en-US"/>
           </a:p>
@@ -1141,7 +1143,7 @@
           <a:p>
             <a:fld id="{FFDF7E5B-C91D-4597-BEFF-9800146C1221}" type="datetime1">
               <a:rPr lang="ko-KR" altLang="en-US" smtClean="0"/>
-              <a:t>2020-07-21</a:t>
+              <a:t>2021-01-04</a:t>
             </a:fld>
             <a:endParaRPr lang="ko-KR" altLang="en-US"/>
           </a:p>
@@ -1403,7 +1405,7 @@
           <a:p>
             <a:fld id="{FCECD920-41EA-4F3C-8E8F-FEA349AAB147}" type="datetime1">
               <a:rPr lang="ko-KR" altLang="en-US" smtClean="0"/>
-              <a:t>2020-07-21</a:t>
+              <a:t>2021-01-04</a:t>
             </a:fld>
             <a:endParaRPr lang="ko-KR" altLang="en-US"/>
           </a:p>
@@ -1635,7 +1637,7 @@
           <a:p>
             <a:fld id="{7AC0042B-7BDF-4830-89D6-670CE07C1E8E}" type="datetime1">
               <a:rPr lang="ko-KR" altLang="en-US" smtClean="0"/>
-              <a:t>2020-07-21</a:t>
+              <a:t>2021-01-04</a:t>
             </a:fld>
             <a:endParaRPr lang="ko-KR" altLang="en-US"/>
           </a:p>
@@ -2002,7 +2004,7 @@
           <a:p>
             <a:fld id="{F564A9E2-35E4-4EDD-9837-0188A1C6243B}" type="datetime1">
               <a:rPr lang="ko-KR" altLang="en-US" smtClean="0"/>
-              <a:t>2020-07-21</a:t>
+              <a:t>2021-01-04</a:t>
             </a:fld>
             <a:endParaRPr lang="ko-KR" altLang="en-US"/>
           </a:p>
@@ -2120,7 +2122,7 @@
           <a:p>
             <a:fld id="{872C3772-1156-4FD3-9C57-CAC38F3F251F}" type="datetime1">
               <a:rPr lang="ko-KR" altLang="en-US" smtClean="0"/>
-              <a:t>2020-07-21</a:t>
+              <a:t>2021-01-04</a:t>
             </a:fld>
             <a:endParaRPr lang="ko-KR" altLang="en-US"/>
           </a:p>
@@ -2215,7 +2217,7 @@
           <a:p>
             <a:fld id="{90564680-55FD-459C-ABDD-810709295308}" type="datetime1">
               <a:rPr lang="ko-KR" altLang="en-US" smtClean="0"/>
-              <a:t>2020-07-21</a:t>
+              <a:t>2021-01-04</a:t>
             </a:fld>
             <a:endParaRPr lang="ko-KR" altLang="en-US"/>
           </a:p>
@@ -2492,7 +2494,7 @@
           <a:p>
             <a:fld id="{B427CE32-9CBE-4BE6-B2B4-151BB3755E13}" type="datetime1">
               <a:rPr lang="ko-KR" altLang="en-US" smtClean="0"/>
-              <a:t>2020-07-21</a:t>
+              <a:t>2021-01-04</a:t>
             </a:fld>
             <a:endParaRPr lang="ko-KR" altLang="en-US"/>
           </a:p>
@@ -2745,7 +2747,7 @@
           <a:p>
             <a:fld id="{15F8A116-4660-43B5-9031-34FF0BE3E69D}" type="datetime1">
               <a:rPr lang="ko-KR" altLang="en-US" smtClean="0"/>
-              <a:t>2020-07-21</a:t>
+              <a:t>2021-01-04</a:t>
             </a:fld>
             <a:endParaRPr lang="ko-KR" altLang="en-US"/>
           </a:p>
@@ -2967,7 +2969,7 @@
           <a:p>
             <a:fld id="{7B1BE7E1-A688-4E59-BC0B-0B62CA53C8B4}" type="datetime1">
               <a:rPr lang="ko-KR" altLang="en-US" smtClean="0"/>
-              <a:t>2020-07-21</a:t>
+              <a:t>2021-01-04</a:t>
             </a:fld>
             <a:endParaRPr lang="ko-KR" altLang="en-US"/>
           </a:p>
@@ -8577,7 +8579,7 @@
         <p:spPr>
           <a:xfrm>
             <a:off x="4968853" y="1119797"/>
-            <a:ext cx="6524638" cy="6561989"/>
+            <a:ext cx="6524638" cy="6904647"/>
           </a:xfrm>
           <a:prstGeom prst="rect">
             <a:avLst/>
@@ -8772,35 +8774,35 @@
               <a:buChar char="•"/>
             </a:pPr>
             <a:r>
-              <a:rPr lang="ko-KR" altLang="en-US" sz="1200" dirty="0"/>
+              <a:rPr lang="ko-KR" altLang="en-US" sz="1200" strike="sngStrike" dirty="0"/>
               <a:t>구멍 </a:t>
             </a:r>
             <a:r>
-              <a:rPr lang="en-US" altLang="ko-KR" sz="1200" dirty="0"/>
+              <a:rPr lang="en-US" altLang="ko-KR" sz="1200" strike="sngStrike" dirty="0"/>
               <a:t>: </a:t>
             </a:r>
             <a:r>
-              <a:rPr lang="ko-KR" altLang="en-US" sz="1200" dirty="0"/>
+              <a:rPr lang="ko-KR" altLang="en-US" sz="1200" strike="sngStrike" dirty="0"/>
               <a:t>기름 웅덩이 그라운드 오브젝트 또는 </a:t>
             </a:r>
             <a:r>
-              <a:rPr lang="ko-KR" altLang="en-US" sz="1200" dirty="0" err="1"/>
+              <a:rPr lang="ko-KR" altLang="en-US" sz="1200" strike="sngStrike" dirty="0" err="1"/>
               <a:t>파티클</a:t>
             </a:r>
             <a:r>
-              <a:rPr lang="ko-KR" altLang="en-US" sz="1200" dirty="0"/>
+              <a:rPr lang="ko-KR" altLang="en-US" sz="1200" strike="sngStrike" dirty="0"/>
               <a:t> 활용</a:t>
             </a:r>
             <a:r>
-              <a:rPr lang="en-US" altLang="ko-KR" sz="1200" dirty="0"/>
+              <a:rPr lang="en-US" altLang="ko-KR" sz="1200" strike="sngStrike" dirty="0"/>
               <a:t>(</a:t>
             </a:r>
             <a:r>
-              <a:rPr lang="en-US" altLang="ko-KR" sz="1200" dirty="0" err="1"/>
+              <a:rPr lang="en-US" altLang="ko-KR" sz="1200" strike="sngStrike" dirty="0" err="1"/>
               <a:t>JoyRunHole</a:t>
             </a:r>
             <a:r>
-              <a:rPr lang="en-US" altLang="ko-KR" sz="1200" dirty="0"/>
+              <a:rPr lang="en-US" altLang="ko-KR" sz="1200" strike="sngStrike" dirty="0"/>
               <a:t>)</a:t>
             </a:r>
           </a:p>
@@ -8816,27 +8818,125 @@
               <a:buChar char="•"/>
             </a:pPr>
             <a:r>
-              <a:rPr lang="ko-KR" altLang="en-US" sz="1200" dirty="0"/>
+              <a:rPr lang="ko-KR" altLang="en-US" sz="1200" dirty="0" err="1">
+                <a:highlight>
+                  <a:srgbClr val="00FFFF"/>
+                </a:highlight>
+              </a:rPr>
+              <a:t>곰덫</a:t>
+            </a:r>
+            <a:r>
+              <a:rPr lang="ko-KR" altLang="en-US" sz="1200" dirty="0">
+                <a:highlight>
+                  <a:srgbClr val="00FFFF"/>
+                </a:highlight>
+              </a:rPr>
+              <a:t> </a:t>
+            </a:r>
+            <a:r>
+              <a:rPr lang="en-US" altLang="ko-KR" sz="1200" dirty="0">
+                <a:highlight>
+                  <a:srgbClr val="00FFFF"/>
+                </a:highlight>
+              </a:rPr>
+              <a:t>: </a:t>
+            </a:r>
+            <a:r>
+              <a:rPr lang="ko-KR" altLang="en-US" sz="1200" dirty="0">
+                <a:highlight>
+                  <a:srgbClr val="00FFFF"/>
+                </a:highlight>
+              </a:rPr>
+              <a:t>캐릭터의 움직임을 방해하는 </a:t>
+            </a:r>
+            <a:r>
+              <a:rPr lang="ko-KR" altLang="en-US" sz="1200" dirty="0" err="1">
+                <a:highlight>
+                  <a:srgbClr val="00FFFF"/>
+                </a:highlight>
+              </a:rPr>
+              <a:t>곰덫</a:t>
+            </a:r>
+            <a:endParaRPr lang="en-US" altLang="ko-KR" sz="1200" dirty="0">
+              <a:highlight>
+                <a:srgbClr val="00FFFF"/>
+              </a:highlight>
+            </a:endParaRPr>
+          </a:p>
+          <a:p>
+            <a:pPr marL="171450" indent="-171450" defTabSz="540000">
+              <a:lnSpc>
+                <a:spcPct val="130000"/>
+              </a:lnSpc>
+              <a:spcAft>
+                <a:spcPts val="400"/>
+              </a:spcAft>
+              <a:buFont typeface="Arial" panose="020B0604020202020204" pitchFamily="34" charset="0"/>
+              <a:buChar char="•"/>
+            </a:pPr>
+            <a:r>
+              <a:rPr lang="ko-KR" altLang="en-US" sz="1200" dirty="0">
+                <a:highlight>
+                  <a:srgbClr val="00FFFF"/>
+                </a:highlight>
+              </a:rPr>
+              <a:t>허들 </a:t>
+            </a:r>
+            <a:r>
+              <a:rPr lang="en-US" altLang="ko-KR" sz="1200" dirty="0">
+                <a:highlight>
+                  <a:srgbClr val="00FFFF"/>
+                </a:highlight>
+              </a:rPr>
+              <a:t>: </a:t>
+            </a:r>
+            <a:r>
+              <a:rPr lang="ko-KR" altLang="en-US" sz="1200" dirty="0">
+                <a:highlight>
+                  <a:srgbClr val="00FFFF"/>
+                </a:highlight>
+              </a:rPr>
+              <a:t>캐릭터의 움직임을 방해하는 허들</a:t>
+            </a:r>
+            <a:endParaRPr lang="en-US" altLang="ko-KR" sz="1200" dirty="0">
+              <a:highlight>
+                <a:srgbClr val="00FFFF"/>
+              </a:highlight>
+            </a:endParaRPr>
+          </a:p>
+          <a:p>
+            <a:pPr marL="171450" indent="-171450" defTabSz="540000">
+              <a:lnSpc>
+                <a:spcPct val="130000"/>
+              </a:lnSpc>
+              <a:spcAft>
+                <a:spcPts val="400"/>
+              </a:spcAft>
+              <a:buFont typeface="Arial" panose="020B0604020202020204" pitchFamily="34" charset="0"/>
+              <a:buChar char="•"/>
+            </a:pPr>
+            <a:r>
+              <a:rPr lang="ko-KR" altLang="en-US" sz="1200" strike="sngStrike" dirty="0"/>
               <a:t>통나무 </a:t>
             </a:r>
             <a:r>
-              <a:rPr lang="en-US" altLang="ko-KR" sz="1200" dirty="0"/>
+              <a:rPr lang="en-US" altLang="ko-KR" sz="1200" strike="sngStrike" dirty="0"/>
               <a:t>: </a:t>
             </a:r>
             <a:r>
-              <a:rPr lang="ko-KR" altLang="en-US" sz="1200" dirty="0"/>
+              <a:rPr lang="ko-KR" altLang="en-US" sz="1200" strike="sngStrike" dirty="0"/>
               <a:t>말그대로 굴러다니는 통나무</a:t>
             </a:r>
             <a:r>
-              <a:rPr lang="en-US" altLang="ko-KR" sz="1200" dirty="0"/>
+              <a:rPr lang="en-US" altLang="ko-KR" sz="1200" strike="sngStrike" dirty="0"/>
               <a:t>(</a:t>
             </a:r>
             <a:r>
-              <a:rPr lang="en-US" altLang="ko-KR" sz="1200" dirty="0" err="1"/>
-              <a:t>JoyRunLog</a:t>
-            </a:r>
-            <a:r>
-              <a:rPr lang="en-US" altLang="ko-KR" sz="1200" dirty="0"/>
+              <a:rPr lang="en-US" altLang="ko-KR" sz="1200" strike="sngStrike" dirty="0" err="1"/>
+              <a:t>JoyRunHurdle</a:t>
+            </a:r>
+            <a:r>
+              <a:rPr lang="en-US" altLang="ko-KR" sz="1200" strike="sngStrike" dirty="0"/>
               <a:t>)</a:t>
             </a:r>
           </a:p>
@@ -9127,144 +9227,149 @@
           </a:prstGeom>
         </p:spPr>
       </p:pic>
-      <p:sp>
-        <p:nvSpPr>
-          <p:cNvPr id="114" name="타원 113">
+      <p:pic>
+        <p:nvPicPr>
+          <p:cNvPr id="3" name="그림 2">
             <a:extLst>
               <a:ext uri="{FF2B5EF4-FFF2-40B4-BE49-F238E27FC236}">
-                <a16:creationId xmlns:a16="http://schemas.microsoft.com/office/drawing/2014/main" id="{2DDFA580-79EC-4FA0-88BC-B3F92095B026}"/>
+                <a16:creationId xmlns:a16="http://schemas.microsoft.com/office/drawing/2014/main" id="{15BB6340-A8BE-423F-85D1-FD5AD5CA0FEE}"/>
               </a:ext>
             </a:extLst>
           </p:cNvPr>
-          <p:cNvSpPr/>
+          <p:cNvPicPr>
+            <a:picLocks noChangeAspect="1"/>
+          </p:cNvPicPr>
           <p:nvPr/>
-        </p:nvSpPr>
+        </p:nvPicPr>
+        <p:blipFill>
+          <a:blip r:embed="rId8">
+            <a:extLst>
+              <a:ext uri="{BEBA8EAE-BF5A-486C-A8C5-ECC9F3942E4B}">
+                <a14:imgProps xmlns:a14="http://schemas.microsoft.com/office/drawing/2010/main">
+                  <a14:imgLayer r:embed="rId9">
+                    <a14:imgEffect>
+                      <a14:backgroundRemoval t="9467" b="89941" l="6509" r="91716">
+                        <a14:foregroundMark x1="88462" y1="20414" x2="89645" y2="27811"/>
+                        <a14:foregroundMark x1="6509" y1="84615" x2="14793" y2="89053"/>
+                        <a14:foregroundMark x1="89941" y1="14497" x2="91716" y2="18639"/>
+                        <a14:foregroundMark x1="24260" y1="20118" x2="80178" y2="15385"/>
+                      </a14:backgroundRemoval>
+                    </a14:imgEffect>
+                  </a14:imgLayer>
+                </a14:imgProps>
+              </a:ext>
+            </a:extLst>
+          </a:blip>
+          <a:stretch>
+            <a:fillRect/>
+          </a:stretch>
+        </p:blipFill>
         <p:spPr>
-          <a:xfrm>
-            <a:off x="2872296" y="1645868"/>
-            <a:ext cx="494950" cy="124210"/>
+          <a:xfrm flipH="1">
+            <a:off x="2302931" y="1729086"/>
+            <a:ext cx="803151" cy="766252"/>
           </a:xfrm>
-          <a:prstGeom prst="ellipse">
+          <a:prstGeom prst="rect">
             <a:avLst/>
           </a:prstGeom>
         </p:spPr>
-        <p:style>
-          <a:lnRef idx="2">
-            <a:schemeClr val="dk1">
-              <a:shade val="50000"/>
-            </a:schemeClr>
-          </a:lnRef>
-          <a:fillRef idx="1">
-            <a:schemeClr val="dk1"/>
-          </a:fillRef>
-          <a:effectRef idx="0">
-            <a:schemeClr val="dk1"/>
-          </a:effectRef>
-          <a:fontRef idx="minor">
-            <a:schemeClr val="lt1"/>
-          </a:fontRef>
-        </p:style>
-        <p:txBody>
-          <a:bodyPr rtlCol="0" anchor="ctr"/>
-          <a:lstStyle/>
-          <a:p>
-            <a:pPr algn="ctr"/>
-            <a:endParaRPr lang="ko-KR" altLang="en-US"/>
-          </a:p>
-        </p:txBody>
-      </p:sp>
-      <p:sp>
-        <p:nvSpPr>
-          <p:cNvPr id="115" name="타원 114">
+      </p:pic>
+      <p:pic>
+        <p:nvPicPr>
+          <p:cNvPr id="4" name="그림 3">
             <a:extLst>
               <a:ext uri="{FF2B5EF4-FFF2-40B4-BE49-F238E27FC236}">
-                <a16:creationId xmlns:a16="http://schemas.microsoft.com/office/drawing/2014/main" id="{6A428A19-1092-4D65-A2E2-D6D43EC070C0}"/>
+                <a16:creationId xmlns:a16="http://schemas.microsoft.com/office/drawing/2014/main" id="{8301E624-A7CF-4E2F-AFD1-8A3FFE8756CD}"/>
               </a:ext>
             </a:extLst>
           </p:cNvPr>
-          <p:cNvSpPr/>
+          <p:cNvPicPr>
+            <a:picLocks noChangeAspect="1"/>
+          </p:cNvPicPr>
           <p:nvPr/>
-        </p:nvSpPr>
+        </p:nvPicPr>
+        <p:blipFill>
+          <a:blip r:embed="rId10">
+            <a:extLst>
+              <a:ext uri="{BEBA8EAE-BF5A-486C-A8C5-ECC9F3942E4B}">
+                <a14:imgProps xmlns:a14="http://schemas.microsoft.com/office/drawing/2010/main">
+                  <a14:imgLayer r:embed="rId11">
+                    <a14:imgEffect>
+                      <a14:backgroundRemoval t="9786" b="89602" l="7529" r="93243">
+                        <a14:foregroundMark x1="7722" y1="14373" x2="9653" y2="10703"/>
+                        <a14:foregroundMark x1="85521" y1="59633" x2="93243" y2="31498"/>
+                        <a14:foregroundMark x1="93243" y1="31498" x2="86293" y2="59633"/>
+                        <a14:foregroundMark x1="75290" y1="34557" x2="83398" y2="38838"/>
+                        <a14:foregroundMark x1="79151" y1="34557" x2="84749" y2="39755"/>
+                      </a14:backgroundRemoval>
+                    </a14:imgEffect>
+                  </a14:imgLayer>
+                </a14:imgProps>
+              </a:ext>
+            </a:extLst>
+          </a:blip>
+          <a:stretch>
+            <a:fillRect/>
+          </a:stretch>
+        </p:blipFill>
         <p:spPr>
           <a:xfrm>
-            <a:off x="2116121" y="1487875"/>
-            <a:ext cx="355662" cy="89255"/>
+            <a:off x="2866423" y="1573218"/>
+            <a:ext cx="492578" cy="310952"/>
           </a:xfrm>
-          <a:prstGeom prst="ellipse">
+          <a:prstGeom prst="rect">
             <a:avLst/>
           </a:prstGeom>
         </p:spPr>
-        <p:style>
-          <a:lnRef idx="2">
-            <a:schemeClr val="dk1">
-              <a:shade val="50000"/>
-            </a:schemeClr>
-          </a:lnRef>
-          <a:fillRef idx="1">
-            <a:schemeClr val="dk1"/>
-          </a:fillRef>
-          <a:effectRef idx="0">
-            <a:schemeClr val="dk1"/>
-          </a:effectRef>
-          <a:fontRef idx="minor">
-            <a:schemeClr val="lt1"/>
-          </a:fontRef>
-        </p:style>
-        <p:txBody>
-          <a:bodyPr rtlCol="0" anchor="ctr"/>
-          <a:lstStyle/>
-          <a:p>
-            <a:pPr algn="ctr"/>
-            <a:endParaRPr lang="ko-KR" altLang="en-US"/>
-          </a:p>
-        </p:txBody>
-      </p:sp>
-      <p:sp>
-        <p:nvSpPr>
-          <p:cNvPr id="118" name="원통형 117">
+      </p:pic>
+      <p:pic>
+        <p:nvPicPr>
+          <p:cNvPr id="10" name="그림 9">
             <a:extLst>
               <a:ext uri="{FF2B5EF4-FFF2-40B4-BE49-F238E27FC236}">
-                <a16:creationId xmlns:a16="http://schemas.microsoft.com/office/drawing/2014/main" id="{D5B9B818-1593-4B6E-98A4-4C6B32585FB7}"/>
+                <a16:creationId xmlns:a16="http://schemas.microsoft.com/office/drawing/2014/main" id="{C0C3A851-294B-48D3-BBA4-B7A4B216C9BD}"/>
               </a:ext>
             </a:extLst>
           </p:cNvPr>
-          <p:cNvSpPr/>
+          <p:cNvPicPr>
+            <a:picLocks noChangeAspect="1"/>
+          </p:cNvPicPr>
           <p:nvPr/>
-        </p:nvSpPr>
+        </p:nvPicPr>
+        <p:blipFill>
+          <a:blip r:embed="rId10">
+            <a:extLst>
+              <a:ext uri="{BEBA8EAE-BF5A-486C-A8C5-ECC9F3942E4B}">
+                <a14:imgProps xmlns:a14="http://schemas.microsoft.com/office/drawing/2010/main">
+                  <a14:imgLayer r:embed="rId11">
+                    <a14:imgEffect>
+                      <a14:backgroundRemoval t="9786" b="89602" l="7529" r="93243">
+                        <a14:foregroundMark x1="7722" y1="14373" x2="9653" y2="10703"/>
+                        <a14:foregroundMark x1="85521" y1="59633" x2="93243" y2="31498"/>
+                        <a14:foregroundMark x1="93243" y1="31498" x2="86293" y2="59633"/>
+                        <a14:foregroundMark x1="75290" y1="34557" x2="83398" y2="38838"/>
+                        <a14:foregroundMark x1="79151" y1="34557" x2="84749" y2="39755"/>
+                      </a14:backgroundRemoval>
+                    </a14:imgEffect>
+                  </a14:imgLayer>
+                </a14:imgProps>
+              </a:ext>
+            </a:extLst>
+          </a:blip>
+          <a:stretch>
+            <a:fillRect/>
+          </a:stretch>
+        </p:blipFill>
         <p:spPr>
-          <a:xfrm rot="16200000">
-            <a:off x="2253506" y="1596517"/>
-            <a:ext cx="216046" cy="1100026"/>
+          <a:xfrm>
+            <a:off x="2086879" y="1425780"/>
+            <a:ext cx="432103" cy="272775"/>
           </a:xfrm>
-          <a:prstGeom prst="can">
+          <a:prstGeom prst="rect">
             <a:avLst/>
           </a:prstGeom>
         </p:spPr>
-        <p:style>
-          <a:lnRef idx="2">
-            <a:schemeClr val="accent1">
-              <a:shade val="50000"/>
-            </a:schemeClr>
-          </a:lnRef>
-          <a:fillRef idx="1">
-            <a:schemeClr val="accent1"/>
-          </a:fillRef>
-          <a:effectRef idx="0">
-            <a:schemeClr val="accent1"/>
-          </a:effectRef>
-          <a:fontRef idx="minor">
-            <a:schemeClr val="lt1"/>
-          </a:fontRef>
-        </p:style>
-        <p:txBody>
-          <a:bodyPr rtlCol="0" anchor="ctr"/>
-          <a:lstStyle/>
-          <a:p>
-            <a:pPr algn="ctr"/>
-            <a:endParaRPr lang="ko-KR" altLang="en-US"/>
-          </a:p>
-        </p:txBody>
-      </p:sp>
+      </p:pic>
     </p:spTree>
     <p:extLst>
       <p:ext uri="{BB962C8B-B14F-4D97-AF65-F5344CB8AC3E}">
@@ -10081,14 +10186,14 @@
           <p:nvPr>
             <p:extLst>
               <p:ext uri="{D42A27DB-BD31-4B8C-83A1-F6EECF244321}">
-                <p14:modId xmlns:p14="http://schemas.microsoft.com/office/powerpoint/2010/main" val="1745640663"/>
+                <p14:modId xmlns:p14="http://schemas.microsoft.com/office/powerpoint/2010/main" val="2561886182"/>
               </p:ext>
             </p:extLst>
           </p:nvPr>
         </p:nvGraphicFramePr>
         <p:xfrm>
           <a:off x="5150840" y="1100722"/>
-          <a:ext cx="6692368" cy="3078480"/>
+          <a:ext cx="6692368" cy="2895600"/>
         </p:xfrm>
         <a:graphic>
           <a:graphicData uri="http://schemas.openxmlformats.org/drawingml/2006/table">
@@ -10492,9 +10597,18 @@
                     <a:p>
                       <a:pPr algn="l" latinLnBrk="1"/>
                       <a:r>
-                        <a:rPr lang="ko-KR" altLang="en-US" sz="1000" dirty="0"/>
-                        <a:t>구멍</a:t>
+                        <a:rPr lang="ko-KR" altLang="en-US" sz="1000" dirty="0" err="1">
+                          <a:highlight>
+                            <a:srgbClr val="00FFFF"/>
+                          </a:highlight>
+                        </a:rPr>
+                        <a:t>곰덫</a:t>
                       </a:r>
+                      <a:endParaRPr lang="ko-KR" altLang="en-US" sz="1000" dirty="0">
+                        <a:highlight>
+                          <a:srgbClr val="00FFFF"/>
+                        </a:highlight>
+                      </a:endParaRPr>
                     </a:p>
                   </a:txBody>
                   <a:tcPr anchor="ctr"/>
@@ -10522,53 +10636,26 @@
                         <a:defRPr/>
                       </a:pPr>
                       <a:r>
-                        <a:rPr lang="ko-KR" altLang="en-US" sz="1000" dirty="0"/>
-                        <a:t>기름 웅덩이를 연상 시키는 구멍이며 그라운드 오브젝트</a:t>
+                        <a:rPr lang="ko-KR" altLang="en-US" sz="1000" dirty="0">
+                          <a:highlight>
+                            <a:srgbClr val="00FFFF"/>
+                          </a:highlight>
+                        </a:rPr>
+                        <a:t>사용자의 이동을 방해하는 </a:t>
                       </a:r>
                       <a:r>
-                        <a:rPr lang="en-US" altLang="ko-KR" sz="1000" dirty="0"/>
-                        <a:t>(</a:t>
+                        <a:rPr lang="ko-KR" altLang="en-US" sz="1000" dirty="0" err="1">
+                          <a:highlight>
+                            <a:srgbClr val="00FFFF"/>
+                          </a:highlight>
+                        </a:rPr>
+                        <a:t>곰덫</a:t>
                       </a:r>
-                      <a:r>
-                        <a:rPr lang="ko-KR" altLang="en-US" sz="1000" dirty="0" err="1"/>
-                        <a:t>알피지</a:t>
-                      </a:r>
-                      <a:r>
-                        <a:rPr lang="ko-KR" altLang="en-US" sz="1000" dirty="0"/>
-                        <a:t> 게임에서 장판 형태</a:t>
-                      </a:r>
-                      <a:r>
-                        <a:rPr lang="en-US" altLang="ko-KR" sz="1000" dirty="0"/>
-                        <a:t>)</a:t>
-                      </a:r>
-                    </a:p>
-                    <a:p>
-                      <a:pPr marL="0" marR="0" lvl="0" indent="0" algn="l" defTabSz="914400" rtl="0" eaLnBrk="1" fontAlgn="auto" latinLnBrk="1" hangingPunct="1">
-                        <a:lnSpc>
-                          <a:spcPct val="100000"/>
-                        </a:lnSpc>
-                        <a:spcBef>
-                          <a:spcPts val="0"/>
-                        </a:spcBef>
-                        <a:spcAft>
-                          <a:spcPts val="0"/>
-                        </a:spcAft>
-                        <a:buClrTx/>
-                        <a:buSzTx/>
-                        <a:buFontTx/>
-                        <a:buNone/>
-                        <a:tabLst/>
-                        <a:defRPr/>
-                      </a:pPr>
-                      <a:r>
-                        <a:rPr lang="ko-KR" altLang="en-US" sz="1000" dirty="0"/>
-                        <a:t>사용자가 피격 시 사용자는 데미지를 입는다</a:t>
-                      </a:r>
-                      <a:r>
-                        <a:rPr lang="en-US" altLang="ko-KR" sz="1000" dirty="0"/>
-                        <a:t>.</a:t>
-                      </a:r>
-                      <a:endParaRPr lang="ko-KR" altLang="en-US" sz="1000" dirty="0"/>
+                      <a:endParaRPr lang="ko-KR" altLang="en-US" sz="1000" dirty="0">
+                        <a:highlight>
+                          <a:srgbClr val="00FFFF"/>
+                        </a:highlight>
+                      </a:endParaRPr>
                     </a:p>
                   </a:txBody>
                   <a:tcPr anchor="ctr"/>
@@ -10650,7 +10737,7 @@
                       </a:pPr>
                       <a:r>
                         <a:rPr lang="ko-KR" altLang="en-US" sz="1000" dirty="0"/>
-                        <a:t>통나무</a:t>
+                        <a:t>허들</a:t>
                       </a:r>
                     </a:p>
                   </a:txBody>
@@ -10680,7 +10767,7 @@
                       </a:pPr>
                       <a:r>
                         <a:rPr lang="ko-KR" altLang="en-US" sz="1000" dirty="0"/>
-                        <a:t>말 그대로 굴러다니는 통나무</a:t>
+                        <a:t>허들 경기에 사용되는 장애물</a:t>
                       </a:r>
                       <a:endParaRPr lang="en-US" altLang="ko-KR" sz="1000" dirty="0"/>
                     </a:p>
@@ -10722,7 +10809,7 @@
                       <a:pPr algn="l" latinLnBrk="1"/>
                       <a:r>
                         <a:rPr lang="en-US" altLang="ko-KR" sz="1000" dirty="0" err="1"/>
-                        <a:t>JoyRunLog</a:t>
+                        <a:t>JoyRunHurdle</a:t>
                       </a:r>
                       <a:endParaRPr lang="ko-KR" altLang="en-US" sz="1000" dirty="0"/>
                     </a:p>
@@ -10941,144 +11028,6 @@
       </p:pic>
       <p:sp>
         <p:nvSpPr>
-          <p:cNvPr id="32" name="타원 31">
-            <a:extLst>
-              <a:ext uri="{FF2B5EF4-FFF2-40B4-BE49-F238E27FC236}">
-                <a16:creationId xmlns:a16="http://schemas.microsoft.com/office/drawing/2014/main" id="{B194D8D7-5481-47C2-B56E-7ABFF6B87D59}"/>
-              </a:ext>
-            </a:extLst>
-          </p:cNvPr>
-          <p:cNvSpPr/>
-          <p:nvPr/>
-        </p:nvSpPr>
-        <p:spPr>
-          <a:xfrm>
-            <a:off x="2910101" y="1712179"/>
-            <a:ext cx="494950" cy="124210"/>
-          </a:xfrm>
-          <a:prstGeom prst="ellipse">
-            <a:avLst/>
-          </a:prstGeom>
-        </p:spPr>
-        <p:style>
-          <a:lnRef idx="2">
-            <a:schemeClr val="dk1">
-              <a:shade val="50000"/>
-            </a:schemeClr>
-          </a:lnRef>
-          <a:fillRef idx="1">
-            <a:schemeClr val="dk1"/>
-          </a:fillRef>
-          <a:effectRef idx="0">
-            <a:schemeClr val="dk1"/>
-          </a:effectRef>
-          <a:fontRef idx="minor">
-            <a:schemeClr val="lt1"/>
-          </a:fontRef>
-        </p:style>
-        <p:txBody>
-          <a:bodyPr rtlCol="0" anchor="ctr"/>
-          <a:lstStyle/>
-          <a:p>
-            <a:pPr algn="ctr"/>
-            <a:endParaRPr lang="ko-KR" altLang="en-US"/>
-          </a:p>
-        </p:txBody>
-      </p:sp>
-      <p:sp>
-        <p:nvSpPr>
-          <p:cNvPr id="33" name="타원 32">
-            <a:extLst>
-              <a:ext uri="{FF2B5EF4-FFF2-40B4-BE49-F238E27FC236}">
-                <a16:creationId xmlns:a16="http://schemas.microsoft.com/office/drawing/2014/main" id="{C099B5EF-5D26-459D-BEA0-569118E90F9E}"/>
-              </a:ext>
-            </a:extLst>
-          </p:cNvPr>
-          <p:cNvSpPr/>
-          <p:nvPr/>
-        </p:nvSpPr>
-        <p:spPr>
-          <a:xfrm>
-            <a:off x="2047531" y="1657512"/>
-            <a:ext cx="355662" cy="89255"/>
-          </a:xfrm>
-          <a:prstGeom prst="ellipse">
-            <a:avLst/>
-          </a:prstGeom>
-        </p:spPr>
-        <p:style>
-          <a:lnRef idx="2">
-            <a:schemeClr val="dk1">
-              <a:shade val="50000"/>
-            </a:schemeClr>
-          </a:lnRef>
-          <a:fillRef idx="1">
-            <a:schemeClr val="dk1"/>
-          </a:fillRef>
-          <a:effectRef idx="0">
-            <a:schemeClr val="dk1"/>
-          </a:effectRef>
-          <a:fontRef idx="minor">
-            <a:schemeClr val="lt1"/>
-          </a:fontRef>
-        </p:style>
-        <p:txBody>
-          <a:bodyPr rtlCol="0" anchor="ctr"/>
-          <a:lstStyle/>
-          <a:p>
-            <a:pPr algn="ctr"/>
-            <a:endParaRPr lang="ko-KR" altLang="en-US"/>
-          </a:p>
-        </p:txBody>
-      </p:sp>
-      <p:sp>
-        <p:nvSpPr>
-          <p:cNvPr id="3" name="원통형 2">
-            <a:extLst>
-              <a:ext uri="{FF2B5EF4-FFF2-40B4-BE49-F238E27FC236}">
-                <a16:creationId xmlns:a16="http://schemas.microsoft.com/office/drawing/2014/main" id="{89F1E2B6-4CB1-44BA-83D1-BC926C397E57}"/>
-              </a:ext>
-            </a:extLst>
-          </p:cNvPr>
-          <p:cNvSpPr/>
-          <p:nvPr/>
-        </p:nvSpPr>
-        <p:spPr>
-          <a:xfrm rot="16200000">
-            <a:off x="2253506" y="1596517"/>
-            <a:ext cx="216046" cy="1100026"/>
-          </a:xfrm>
-          <a:prstGeom prst="can">
-            <a:avLst/>
-          </a:prstGeom>
-        </p:spPr>
-        <p:style>
-          <a:lnRef idx="2">
-            <a:schemeClr val="accent1">
-              <a:shade val="50000"/>
-            </a:schemeClr>
-          </a:lnRef>
-          <a:fillRef idx="1">
-            <a:schemeClr val="accent1"/>
-          </a:fillRef>
-          <a:effectRef idx="0">
-            <a:schemeClr val="accent1"/>
-          </a:effectRef>
-          <a:fontRef idx="minor">
-            <a:schemeClr val="lt1"/>
-          </a:fontRef>
-        </p:style>
-        <p:txBody>
-          <a:bodyPr rtlCol="0" anchor="ctr"/>
-          <a:lstStyle/>
-          <a:p>
-            <a:pPr algn="ctr"/>
-            <a:endParaRPr lang="ko-KR" altLang="en-US"/>
-          </a:p>
-        </p:txBody>
-      </p:sp>
-      <p:sp>
-        <p:nvSpPr>
           <p:cNvPr id="35" name="사각형: 둥근 모서리 34">
             <a:extLst>
               <a:ext uri="{FF2B5EF4-FFF2-40B4-BE49-F238E27FC236}">
@@ -11299,8 +11248,8 @@
         </p:nvSpPr>
         <p:spPr>
           <a:xfrm>
-            <a:off x="2004969" y="1575503"/>
-            <a:ext cx="1437876" cy="295242"/>
+            <a:off x="2004969" y="1469450"/>
+            <a:ext cx="1437876" cy="401295"/>
           </a:xfrm>
           <a:prstGeom prst="roundRect">
             <a:avLst>
@@ -11403,8 +11352,8 @@
         </p:nvSpPr>
         <p:spPr>
           <a:xfrm>
-            <a:off x="1811516" y="1970110"/>
-            <a:ext cx="1183354" cy="347320"/>
+            <a:off x="2235940" y="1970110"/>
+            <a:ext cx="758929" cy="347320"/>
           </a:xfrm>
           <a:prstGeom prst="roundRect">
             <a:avLst>
@@ -11457,7 +11406,7 @@
         </p:nvSpPr>
         <p:spPr>
           <a:xfrm>
-            <a:off x="1753679" y="1839421"/>
+            <a:off x="2055534" y="1914949"/>
             <a:ext cx="206366" cy="231717"/>
           </a:xfrm>
           <a:prstGeom prst="ellipse">
@@ -11956,6 +11905,149 @@
           </a:p>
         </p:txBody>
       </p:sp>
+      <p:pic>
+        <p:nvPicPr>
+          <p:cNvPr id="12" name="그림 11">
+            <a:extLst>
+              <a:ext uri="{FF2B5EF4-FFF2-40B4-BE49-F238E27FC236}">
+                <a16:creationId xmlns:a16="http://schemas.microsoft.com/office/drawing/2014/main" id="{0BCB862E-33E2-4ED6-9C84-C749CA0D5F0C}"/>
+              </a:ext>
+            </a:extLst>
+          </p:cNvPr>
+          <p:cNvPicPr>
+            <a:picLocks noChangeAspect="1"/>
+          </p:cNvPicPr>
+          <p:nvPr/>
+        </p:nvPicPr>
+        <p:blipFill>
+          <a:blip r:embed="rId7">
+            <a:extLst>
+              <a:ext uri="{BEBA8EAE-BF5A-486C-A8C5-ECC9F3942E4B}">
+                <a14:imgProps xmlns:a14="http://schemas.microsoft.com/office/drawing/2010/main">
+                  <a14:imgLayer r:embed="rId8">
+                    <a14:imgEffect>
+                      <a14:backgroundRemoval t="9467" b="89941" l="6509" r="91716">
+                        <a14:foregroundMark x1="88462" y1="20414" x2="89645" y2="27811"/>
+                        <a14:foregroundMark x1="6509" y1="84615" x2="14793" y2="89053"/>
+                        <a14:foregroundMark x1="89941" y1="14497" x2="91716" y2="18639"/>
+                        <a14:foregroundMark x1="24260" y1="20118" x2="80178" y2="15385"/>
+                      </a14:backgroundRemoval>
+                    </a14:imgEffect>
+                  </a14:imgLayer>
+                </a14:imgProps>
+              </a:ext>
+            </a:extLst>
+          </a:blip>
+          <a:stretch>
+            <a:fillRect/>
+          </a:stretch>
+        </p:blipFill>
+        <p:spPr>
+          <a:xfrm flipH="1">
+            <a:off x="2257018" y="1590293"/>
+            <a:ext cx="803151" cy="766252"/>
+          </a:xfrm>
+          <a:prstGeom prst="rect">
+            <a:avLst/>
+          </a:prstGeom>
+        </p:spPr>
+      </p:pic>
+      <p:pic>
+        <p:nvPicPr>
+          <p:cNvPr id="3" name="그림 2">
+            <a:extLst>
+              <a:ext uri="{FF2B5EF4-FFF2-40B4-BE49-F238E27FC236}">
+                <a16:creationId xmlns:a16="http://schemas.microsoft.com/office/drawing/2014/main" id="{C3B06F09-CA0C-47BB-BFF1-03AA5C3C0191}"/>
+              </a:ext>
+            </a:extLst>
+          </p:cNvPr>
+          <p:cNvPicPr>
+            <a:picLocks noChangeAspect="1"/>
+          </p:cNvPicPr>
+          <p:nvPr/>
+        </p:nvPicPr>
+        <p:blipFill>
+          <a:blip r:embed="rId9">
+            <a:extLst>
+              <a:ext uri="{BEBA8EAE-BF5A-486C-A8C5-ECC9F3942E4B}">
+                <a14:imgProps xmlns:a14="http://schemas.microsoft.com/office/drawing/2010/main">
+                  <a14:imgLayer r:embed="rId10">
+                    <a14:imgEffect>
+                      <a14:backgroundRemoval t="9786" b="89602" l="7529" r="93243">
+                        <a14:foregroundMark x1="7722" y1="14373" x2="9653" y2="10703"/>
+                        <a14:foregroundMark x1="85521" y1="59633" x2="93243" y2="31498"/>
+                        <a14:foregroundMark x1="93243" y1="31498" x2="86293" y2="59633"/>
+                        <a14:foregroundMark x1="75290" y1="34557" x2="83398" y2="38838"/>
+                        <a14:foregroundMark x1="79151" y1="34557" x2="84749" y2="39755"/>
+                      </a14:backgroundRemoval>
+                    </a14:imgEffect>
+                  </a14:imgLayer>
+                </a14:imgProps>
+              </a:ext>
+            </a:extLst>
+          </a:blip>
+          <a:stretch>
+            <a:fillRect/>
+          </a:stretch>
+        </p:blipFill>
+        <p:spPr>
+          <a:xfrm>
+            <a:off x="2866423" y="1573218"/>
+            <a:ext cx="492578" cy="310952"/>
+          </a:xfrm>
+          <a:prstGeom prst="rect">
+            <a:avLst/>
+          </a:prstGeom>
+        </p:spPr>
+      </p:pic>
+      <p:pic>
+        <p:nvPicPr>
+          <p:cNvPr id="4" name="그림 3">
+            <a:extLst>
+              <a:ext uri="{FF2B5EF4-FFF2-40B4-BE49-F238E27FC236}">
+                <a16:creationId xmlns:a16="http://schemas.microsoft.com/office/drawing/2014/main" id="{1D58CF5F-A495-488A-878E-9B1B7650C9B7}"/>
+              </a:ext>
+            </a:extLst>
+          </p:cNvPr>
+          <p:cNvPicPr>
+            <a:picLocks noChangeAspect="1"/>
+          </p:cNvPicPr>
+          <p:nvPr/>
+        </p:nvPicPr>
+        <p:blipFill>
+          <a:blip r:embed="rId9">
+            <a:extLst>
+              <a:ext uri="{BEBA8EAE-BF5A-486C-A8C5-ECC9F3942E4B}">
+                <a14:imgProps xmlns:a14="http://schemas.microsoft.com/office/drawing/2010/main">
+                  <a14:imgLayer r:embed="rId10">
+                    <a14:imgEffect>
+                      <a14:backgroundRemoval t="9786" b="89602" l="7529" r="93243">
+                        <a14:foregroundMark x1="7722" y1="14373" x2="9653" y2="10703"/>
+                        <a14:foregroundMark x1="85521" y1="59633" x2="93243" y2="31498"/>
+                        <a14:foregroundMark x1="93243" y1="31498" x2="86293" y2="59633"/>
+                        <a14:foregroundMark x1="75290" y1="34557" x2="83398" y2="38838"/>
+                        <a14:foregroundMark x1="79151" y1="34557" x2="84749" y2="39755"/>
+                      </a14:backgroundRemoval>
+                    </a14:imgEffect>
+                  </a14:imgLayer>
+                </a14:imgProps>
+              </a:ext>
+            </a:extLst>
+          </a:blip>
+          <a:stretch>
+            <a:fillRect/>
+          </a:stretch>
+        </p:blipFill>
+        <p:spPr>
+          <a:xfrm>
+            <a:off x="2086879" y="1425780"/>
+            <a:ext cx="432103" cy="272775"/>
+          </a:xfrm>
+          <a:prstGeom prst="rect">
+            <a:avLst/>
+          </a:prstGeom>
+        </p:spPr>
+      </p:pic>
     </p:spTree>
     <p:extLst>
       <p:ext uri="{BB962C8B-B14F-4D97-AF65-F5344CB8AC3E}">
@@ -13326,7 +13418,7 @@
         <p:spPr>
           <a:xfrm>
             <a:off x="4968853" y="1119797"/>
-            <a:ext cx="6524638" cy="2636812"/>
+            <a:ext cx="6524638" cy="2585516"/>
           </a:xfrm>
           <a:prstGeom prst="rect">
             <a:avLst/>
@@ -13350,46 +13442,17 @@
               <a:buChar char="•"/>
             </a:pPr>
             <a:r>
+              <a:rPr lang="ko-KR" altLang="en-US" sz="1200" dirty="0" err="1"/>
+              <a:t>어셋</a:t>
+            </a:r>
+            <a:r>
               <a:rPr lang="ko-KR" altLang="en-US" sz="1200" dirty="0"/>
-              <a:t>존과 사라를 그대로 사용하며 아래의 애니메이션이 필요합니다</a:t>
+              <a:t> 스토어의 캐릭터를 사용하며 아래의 애니메이션이 필요합니다</a:t>
             </a:r>
             <a:r>
               <a:rPr lang="en-US" altLang="ko-KR" sz="1200" dirty="0"/>
               <a:t>.</a:t>
             </a:r>
-          </a:p>
-          <a:p>
-            <a:pPr marL="228600" indent="-228600" defTabSz="540000">
-              <a:lnSpc>
-                <a:spcPct val="130000"/>
-              </a:lnSpc>
-              <a:spcAft>
-                <a:spcPts val="400"/>
-              </a:spcAft>
-              <a:buFont typeface="Arial" panose="020B0604020202020204" pitchFamily="34" charset="0"/>
-              <a:buChar char="•"/>
-            </a:pPr>
-            <a:r>
-              <a:rPr lang="ko-KR" altLang="en-US" sz="1200" dirty="0"/>
-              <a:t>모든 애니메이션은 </a:t>
-            </a:r>
-            <a:r>
-              <a:rPr lang="en-US" altLang="ko-KR" sz="1200" dirty="0"/>
-              <a:t>Start ~ End </a:t>
-            </a:r>
-            <a:r>
-              <a:rPr lang="ko-KR" altLang="en-US" sz="1200" dirty="0"/>
-              <a:t>구조로 제작합니다</a:t>
-            </a:r>
-            <a:r>
-              <a:rPr lang="en-US" altLang="ko-KR" sz="1200" dirty="0"/>
-              <a:t>.</a:t>
-            </a:r>
-            <a:r>
-              <a:rPr lang="ko-KR" altLang="en-US" sz="1200" dirty="0"/>
-              <a:t> </a:t>
-            </a:r>
-            <a:endParaRPr lang="en-US" altLang="ko-KR" sz="1200" dirty="0"/>
           </a:p>
           <a:p>
             <a:pPr marL="228600" indent="-228600" algn="l" defTabSz="540000">
@@ -13402,7 +13465,26 @@
               <a:buFont typeface="Arial" panose="020B0604020202020204" pitchFamily="34" charset="0"/>
               <a:buChar char="•"/>
             </a:pPr>
-            <a:endParaRPr lang="en-US" altLang="ko-KR" sz="1200" dirty="0"/>
+            <a:r>
+              <a:rPr lang="ko-KR" altLang="en-US" sz="1200" dirty="0" err="1"/>
+              <a:t>키넥트를</a:t>
+            </a:r>
+            <a:r>
+              <a:rPr lang="ko-KR" altLang="en-US" sz="1200" dirty="0"/>
+              <a:t> 통하여 사용자의 동작 정보를 가져올 때 발을 들어올리는 높이와 속도를 체크하여 빠를 경우 달리기 애니메이션을</a:t>
+            </a:r>
+            <a:r>
+              <a:rPr lang="en-US" altLang="ko-KR" sz="1200" dirty="0"/>
+              <a:t>, </a:t>
+            </a:r>
+            <a:r>
+              <a:rPr lang="ko-KR" altLang="en-US" sz="1200" dirty="0"/>
+              <a:t>느릴 경우 걷기 애니메이션을 실행시킨다</a:t>
+            </a:r>
+            <a:r>
+              <a:rPr lang="en-US" altLang="ko-KR" sz="1200" dirty="0"/>
+              <a:t>.</a:t>
+            </a:r>
           </a:p>
           <a:p>
             <a:pPr marL="228600" indent="-228600" algn="l" defTabSz="540000">
@@ -13415,7 +13497,22 @@
               <a:buFont typeface="Arial" panose="020B0604020202020204" pitchFamily="34" charset="0"/>
               <a:buChar char="•"/>
             </a:pPr>
-            <a:endParaRPr lang="en-US" altLang="ko-KR" sz="1200" dirty="0"/>
+            <a:r>
+              <a:rPr lang="ko-KR" altLang="en-US" sz="1200" dirty="0"/>
+              <a:t>상체의 동작은 기본 </a:t>
+            </a:r>
+            <a:r>
+              <a:rPr lang="en-US" altLang="ko-KR" sz="1200" dirty="0"/>
+              <a:t>idle </a:t>
+            </a:r>
+            <a:r>
+              <a:rPr lang="ko-KR" altLang="en-US" sz="1200" dirty="0"/>
+              <a:t>상태에서 펀치만 사용한다</a:t>
+            </a:r>
+            <a:r>
+              <a:rPr lang="en-US" altLang="ko-KR" sz="1200" dirty="0"/>
+              <a:t>.</a:t>
+            </a:r>
           </a:p>
           <a:p>
             <a:pPr marL="228600" indent="-228600" algn="l" defTabSz="540000">
@@ -13580,14 +13677,14 @@
           <p:nvPr>
             <p:extLst>
               <p:ext uri="{D42A27DB-BD31-4B8C-83A1-F6EECF244321}">
-                <p14:modId xmlns:p14="http://schemas.microsoft.com/office/powerpoint/2010/main" val="2366958309"/>
+                <p14:modId xmlns:p14="http://schemas.microsoft.com/office/powerpoint/2010/main" val="1600243912"/>
               </p:ext>
             </p:extLst>
           </p:nvPr>
         </p:nvGraphicFramePr>
         <p:xfrm>
-          <a:off x="5150842" y="1796368"/>
-          <a:ext cx="6692368" cy="2590800"/>
+          <a:off x="5150842" y="2438796"/>
+          <a:ext cx="6692368" cy="4267200"/>
         </p:xfrm>
         <a:graphic>
           <a:graphicData uri="http://schemas.openxmlformats.org/drawingml/2006/table">
@@ -13741,8 +13838,24 @@
                     <a:p>
                       <a:pPr algn="l" latinLnBrk="1"/>
                       <a:r>
+                        <a:rPr lang="ko-KR" altLang="en-US" sz="1000" dirty="0" err="1"/>
+                        <a:t>어셋</a:t>
+                      </a:r>
+                      <a:r>
+                        <a:rPr lang="ko-KR" altLang="en-US" sz="1000" dirty="0"/>
+                        <a:t> 스토어에 있다면 </a:t>
+                      </a:r>
+                      <a:r>
+                        <a:rPr lang="ko-KR" altLang="en-US" sz="1000" dirty="0" err="1"/>
+                        <a:t>어셋</a:t>
+                      </a:r>
+                      <a:r>
+                        <a:rPr lang="ko-KR" altLang="en-US" sz="1000" dirty="0"/>
+                        <a:t> 스토어의 리소스를 활용하며 없다면</a:t>
+                      </a:r>
+                      <a:r>
                         <a:rPr lang="en-US" altLang="ko-KR" sz="1000" dirty="0"/>
-                        <a:t>March </a:t>
+                        <a:t> March </a:t>
                       </a:r>
                       <a:r>
                         <a:rPr lang="ko-KR" altLang="en-US" sz="1000" dirty="0"/>
@@ -13829,6 +13942,22 @@
                         <a:tabLst/>
                         <a:defRPr/>
                       </a:pPr>
+                      <a:r>
+                        <a:rPr lang="ko-KR" altLang="en-US" sz="1000" dirty="0" err="1"/>
+                        <a:t>어셋</a:t>
+                      </a:r>
+                      <a:r>
+                        <a:rPr lang="ko-KR" altLang="en-US" sz="1000" dirty="0"/>
+                        <a:t> 스토어에 있다면 </a:t>
+                      </a:r>
+                      <a:r>
+                        <a:rPr lang="ko-KR" altLang="en-US" sz="1000" dirty="0" err="1"/>
+                        <a:t>어셋</a:t>
+                      </a:r>
+                      <a:r>
+                        <a:rPr lang="ko-KR" altLang="en-US" sz="1000" dirty="0"/>
+                        <a:t> 스토어의 리소스를 활용하며 없다면 </a:t>
+                      </a:r>
                       <a:r>
                         <a:rPr lang="en-US" altLang="ko-KR" sz="1000" dirty="0" err="1"/>
                         <a:t>KneeHigh</a:t>
@@ -13922,6 +14051,22 @@
                         <a:tabLst/>
                         <a:defRPr/>
                       </a:pPr>
+                      <a:r>
+                        <a:rPr lang="ko-KR" altLang="en-US" sz="1000" dirty="0" err="1"/>
+                        <a:t>어셋</a:t>
+                      </a:r>
+                      <a:r>
+                        <a:rPr lang="ko-KR" altLang="en-US" sz="1000" dirty="0"/>
+                        <a:t> 스토어에 있다면 </a:t>
+                      </a:r>
+                      <a:r>
+                        <a:rPr lang="ko-KR" altLang="en-US" sz="1000" dirty="0" err="1"/>
+                        <a:t>어셋</a:t>
+                      </a:r>
+                      <a:r>
+                        <a:rPr lang="ko-KR" altLang="en-US" sz="1000" dirty="0"/>
+                        <a:t> 스토어의 리소스를 활용하며 없다면 </a:t>
+                      </a:r>
                       <a:r>
                         <a:rPr lang="en-US" altLang="ko-KR" sz="1000" dirty="0" err="1"/>
                         <a:t>JumpSquat</a:t>
@@ -14056,6 +14201,26 @@
                         <a:defRPr/>
                       </a:pPr>
                       <a:r>
+                        <a:rPr lang="ko-KR" altLang="en-US" sz="1000" dirty="0" err="1"/>
+                        <a:t>어셋</a:t>
+                      </a:r>
+                      <a:r>
+                        <a:rPr lang="ko-KR" altLang="en-US" sz="1000" dirty="0"/>
+                        <a:t> 스토어에 있다면 </a:t>
+                      </a:r>
+                      <a:r>
+                        <a:rPr lang="ko-KR" altLang="en-US" sz="1000" dirty="0" err="1"/>
+                        <a:t>어셋</a:t>
+                      </a:r>
+                      <a:r>
+                        <a:rPr lang="ko-KR" altLang="en-US" sz="1000" dirty="0"/>
+                        <a:t> 스토어의 리소스를 활용하며 없다면 제작</a:t>
+                      </a:r>
+                      <a:r>
+                        <a:rPr lang="en-US" altLang="ko-KR" sz="1000" dirty="0"/>
+                        <a:t>. </a:t>
+                      </a:r>
+                      <a:r>
                         <a:rPr lang="ko-KR" altLang="en-US" sz="1000" dirty="0"/>
                         <a:t>풍선 오브젝트와 부딪혔을 때 나타나는 애니메이션</a:t>
                       </a:r>
@@ -14173,8 +14338,28 @@
                         <a:defRPr/>
                       </a:pPr>
                       <a:r>
+                        <a:rPr lang="ko-KR" altLang="en-US" sz="1000" dirty="0" err="1"/>
+                        <a:t>어셋</a:t>
+                      </a:r>
+                      <a:r>
                         <a:rPr lang="ko-KR" altLang="en-US" sz="1000" dirty="0"/>
-                        <a:t>통나무</a:t>
+                        <a:t> 스토어에 있다면 </a:t>
+                      </a:r>
+                      <a:r>
+                        <a:rPr lang="ko-KR" altLang="en-US" sz="1000" dirty="0" err="1"/>
+                        <a:t>어셋</a:t>
+                      </a:r>
+                      <a:r>
+                        <a:rPr lang="ko-KR" altLang="en-US" sz="1000" dirty="0"/>
+                        <a:t> 스토어의 리소스를 활용하며 없다면 제작</a:t>
+                      </a:r>
+                      <a:r>
+                        <a:rPr lang="en-US" altLang="ko-KR" sz="1000" dirty="0"/>
+                        <a:t>.  </a:t>
+                      </a:r>
+                      <a:r>
+                        <a:rPr lang="ko-KR" altLang="en-US" sz="1000" dirty="0"/>
+                        <a:t>허들</a:t>
                       </a:r>
                       <a:r>
                         <a:rPr lang="en-US" altLang="ko-KR" sz="1000" dirty="0"/>
@@ -14295,6 +14480,26 @@
                         <a:defRPr/>
                       </a:pPr>
                       <a:r>
+                        <a:rPr lang="ko-KR" altLang="en-US" sz="1000" dirty="0" err="1"/>
+                        <a:t>어셋</a:t>
+                      </a:r>
+                      <a:r>
+                        <a:rPr lang="ko-KR" altLang="en-US" sz="1000" dirty="0"/>
+                        <a:t> 스토어에 있다면 </a:t>
+                      </a:r>
+                      <a:r>
+                        <a:rPr lang="ko-KR" altLang="en-US" sz="1000" dirty="0" err="1"/>
+                        <a:t>어셋</a:t>
+                      </a:r>
+                      <a:r>
+                        <a:rPr lang="ko-KR" altLang="en-US" sz="1000" dirty="0"/>
+                        <a:t> 스토어의 리소스를 활용하며 없다면 제작</a:t>
+                      </a:r>
+                      <a:r>
+                        <a:rPr lang="en-US" altLang="ko-KR" sz="1000" dirty="0"/>
+                        <a:t>.  </a:t>
+                      </a:r>
+                      <a:r>
                         <a:rPr lang="ko-KR" altLang="en-US" sz="1000" dirty="0"/>
                         <a:t>캐릭터의 </a:t>
                       </a:r>
@@ -14311,12 +14516,8 @@
                         <a:t>0 </a:t>
                       </a:r>
                       <a:r>
-                        <a:rPr lang="ko-KR" altLang="en-US" sz="1000" dirty="0" err="1"/>
-                        <a:t>이되면</a:t>
-                      </a:r>
-                      <a:r>
                         <a:rPr lang="ko-KR" altLang="en-US" sz="1000" dirty="0"/>
-                        <a:t> 발생하는 애니메이션 </a:t>
+                        <a:t>이 되거나 종료 시간이 되면 발생하는 애니메이션 </a:t>
                       </a:r>
                       <a:endParaRPr lang="en-US" altLang="ko-KR" sz="1000" dirty="0"/>
                     </a:p>
@@ -14458,6 +14659,26 @@
                         <a:defRPr/>
                       </a:pPr>
                       <a:r>
+                        <a:rPr lang="ko-KR" altLang="en-US" sz="1000" dirty="0" err="1"/>
+                        <a:t>어셋</a:t>
+                      </a:r>
+                      <a:r>
+                        <a:rPr lang="ko-KR" altLang="en-US" sz="1000" dirty="0"/>
+                        <a:t> 스토어에 있다면 </a:t>
+                      </a:r>
+                      <a:r>
+                        <a:rPr lang="ko-KR" altLang="en-US" sz="1000" dirty="0" err="1"/>
+                        <a:t>어셋</a:t>
+                      </a:r>
+                      <a:r>
+                        <a:rPr lang="ko-KR" altLang="en-US" sz="1000" dirty="0"/>
+                        <a:t> 스토어의 리소스를 활용하며 없다면 제작</a:t>
+                      </a:r>
+                      <a:r>
+                        <a:rPr lang="en-US" altLang="ko-KR" sz="1000" dirty="0"/>
+                        <a:t>. </a:t>
+                      </a:r>
+                      <a:r>
                         <a:rPr lang="ko-KR" altLang="en-US" sz="1000" dirty="0"/>
                         <a:t>스테이지가 시작될 때 캐릭터가 등장하는 애니메이션</a:t>
                       </a:r>
@@ -14542,6 +14763,1037 @@
     <p:extLst>
       <p:ext uri="{BB962C8B-B14F-4D97-AF65-F5344CB8AC3E}">
         <p14:creationId xmlns:p14="http://schemas.microsoft.com/office/powerpoint/2010/main" val="1000531092"/>
+      </p:ext>
+    </p:extLst>
+  </p:cSld>
+  <p:clrMapOvr>
+    <a:masterClrMapping/>
+  </p:clrMapOvr>
+</p:sld>
+</file>
+
+<file path=ppt/slides/slide15.xml><?xml version="1.0" encoding="utf-8"?>
+<p:sld xmlns:a="http://schemas.openxmlformats.org/drawingml/2006/main" xmlns:r="http://schemas.openxmlformats.org/officeDocument/2006/relationships" xmlns:p="http://schemas.openxmlformats.org/presentationml/2006/main">
+  <p:cSld>
+    <p:spTree>
+      <p:nvGrpSpPr>
+        <p:cNvPr id="1" name=""/>
+        <p:cNvGrpSpPr/>
+        <p:nvPr/>
+      </p:nvGrpSpPr>
+      <p:grpSpPr>
+        <a:xfrm>
+          <a:off x="0" y="0"/>
+          <a:ext cx="0" cy="0"/>
+          <a:chOff x="0" y="0"/>
+          <a:chExt cx="0" cy="0"/>
+        </a:xfrm>
+      </p:grpSpPr>
+      <p:sp>
+        <p:nvSpPr>
+          <p:cNvPr id="3" name="TextBox 2">
+            <a:extLst>
+              <a:ext uri="{FF2B5EF4-FFF2-40B4-BE49-F238E27FC236}">
+                <a16:creationId xmlns:a16="http://schemas.microsoft.com/office/drawing/2014/main" id="{57F15499-F847-4B7C-A35E-36B9FCBA7FA5}"/>
+              </a:ext>
+            </a:extLst>
+          </p:cNvPr>
+          <p:cNvSpPr txBox="1"/>
+          <p:nvPr/>
+        </p:nvSpPr>
+        <p:spPr>
+          <a:xfrm>
+            <a:off x="0" y="2413337"/>
+            <a:ext cx="12192000" cy="1015663"/>
+          </a:xfrm>
+          <a:prstGeom prst="rect">
+            <a:avLst/>
+          </a:prstGeom>
+          <a:noFill/>
+        </p:spPr>
+        <p:txBody>
+          <a:bodyPr wrap="square" rtlCol="0">
+            <a:spAutoFit/>
+          </a:bodyPr>
+          <a:lstStyle/>
+          <a:p>
+            <a:pPr algn="ctr" defTabSz="540000"/>
+            <a:r>
+              <a:rPr lang="ko-KR" altLang="en-US" sz="6000" b="1" dirty="0" err="1">
+                <a:solidFill>
+                  <a:srgbClr val="002060"/>
+                </a:solidFill>
+                <a:latin typeface="휴먼엑스포" panose="02030504000101010101" pitchFamily="18" charset="-127"/>
+                <a:ea typeface="휴먼엑스포" panose="02030504000101010101" pitchFamily="18" charset="-127"/>
+              </a:rPr>
+              <a:t>조이런</a:t>
+            </a:r>
+            <a:r>
+              <a:rPr lang="ko-KR" altLang="en-US" sz="6000" b="1" dirty="0">
+                <a:solidFill>
+                  <a:srgbClr val="002060"/>
+                </a:solidFill>
+                <a:latin typeface="휴먼엑스포" panose="02030504000101010101" pitchFamily="18" charset="-127"/>
+                <a:ea typeface="휴먼엑스포" panose="02030504000101010101" pitchFamily="18" charset="-127"/>
+              </a:rPr>
+              <a:t> 개선 사항</a:t>
+            </a:r>
+            <a:endParaRPr lang="en-US" altLang="ko-KR" sz="6000" b="1" dirty="0">
+              <a:solidFill>
+                <a:srgbClr val="002060"/>
+              </a:solidFill>
+              <a:latin typeface="휴먼엑스포" panose="02030504000101010101" pitchFamily="18" charset="-127"/>
+              <a:ea typeface="휴먼엑스포" panose="02030504000101010101" pitchFamily="18" charset="-127"/>
+            </a:endParaRPr>
+          </a:p>
+        </p:txBody>
+      </p:sp>
+      <p:sp>
+        <p:nvSpPr>
+          <p:cNvPr id="4" name="슬라이드 번호 개체 틀 2">
+            <a:extLst>
+              <a:ext uri="{FF2B5EF4-FFF2-40B4-BE49-F238E27FC236}">
+                <a16:creationId xmlns:a16="http://schemas.microsoft.com/office/drawing/2014/main" id="{B7101805-5FFB-4477-8F97-DABD1B395D96}"/>
+              </a:ext>
+            </a:extLst>
+          </p:cNvPr>
+          <p:cNvSpPr>
+            <a:spLocks noGrp="1"/>
+          </p:cNvSpPr>
+          <p:nvPr>
+            <p:ph type="sldNum" sz="quarter" idx="12"/>
+          </p:nvPr>
+        </p:nvSpPr>
+        <p:spPr>
+          <a:xfrm>
+            <a:off x="8610600" y="6356350"/>
+            <a:ext cx="2743200" cy="365125"/>
+          </a:xfrm>
+        </p:spPr>
+        <p:txBody>
+          <a:bodyPr/>
+          <a:lstStyle/>
+          <a:p>
+            <a:fld id="{A8E1BB39-725C-444B-809E-419522618855}" type="slidenum">
+              <a:rPr lang="ko-KR" altLang="en-US" b="1" smtClean="0">
+                <a:solidFill>
+                  <a:schemeClr val="bg1"/>
+                </a:solidFill>
+              </a:rPr>
+              <a:t>15</a:t>
+            </a:fld>
+            <a:endParaRPr lang="ko-KR" altLang="en-US" b="1" dirty="0">
+              <a:solidFill>
+                <a:schemeClr val="bg1"/>
+              </a:solidFill>
+            </a:endParaRPr>
+          </a:p>
+        </p:txBody>
+      </p:sp>
+    </p:spTree>
+    <p:extLst>
+      <p:ext uri="{BB962C8B-B14F-4D97-AF65-F5344CB8AC3E}">
+        <p14:creationId xmlns:p14="http://schemas.microsoft.com/office/powerpoint/2010/main" val="3888310543"/>
+      </p:ext>
+    </p:extLst>
+  </p:cSld>
+  <p:clrMapOvr>
+    <a:masterClrMapping/>
+  </p:clrMapOvr>
+</p:sld>
+</file>
+
+<file path=ppt/slides/slide16.xml><?xml version="1.0" encoding="utf-8"?>
+<p:sld xmlns:a="http://schemas.openxmlformats.org/drawingml/2006/main" xmlns:r="http://schemas.openxmlformats.org/officeDocument/2006/relationships" xmlns:p="http://schemas.openxmlformats.org/presentationml/2006/main">
+  <p:cSld>
+    <p:spTree>
+      <p:nvGrpSpPr>
+        <p:cNvPr id="1" name=""/>
+        <p:cNvGrpSpPr/>
+        <p:nvPr/>
+      </p:nvGrpSpPr>
+      <p:grpSpPr>
+        <a:xfrm>
+          <a:off x="0" y="0"/>
+          <a:ext cx="0" cy="0"/>
+          <a:chOff x="0" y="0"/>
+          <a:chExt cx="0" cy="0"/>
+        </a:xfrm>
+      </p:grpSpPr>
+      <p:grpSp>
+        <p:nvGrpSpPr>
+          <p:cNvPr id="3" name="Group 40">
+            <a:extLst>
+              <a:ext uri="{FF2B5EF4-FFF2-40B4-BE49-F238E27FC236}">
+                <a16:creationId xmlns:a16="http://schemas.microsoft.com/office/drawing/2014/main" id="{677032EF-99F4-482D-9B5D-992B94327128}"/>
+              </a:ext>
+            </a:extLst>
+          </p:cNvPr>
+          <p:cNvGrpSpPr/>
+          <p:nvPr/>
+        </p:nvGrpSpPr>
+        <p:grpSpPr>
+          <a:xfrm>
+            <a:off x="301874" y="273668"/>
+            <a:ext cx="11541336" cy="383818"/>
+            <a:chOff x="301874" y="234760"/>
+            <a:chExt cx="11541336" cy="383818"/>
+          </a:xfrm>
+        </p:grpSpPr>
+        <p:sp>
+          <p:nvSpPr>
+            <p:cNvPr id="5" name="Freeform 41">
+              <a:extLst>
+                <a:ext uri="{FF2B5EF4-FFF2-40B4-BE49-F238E27FC236}">
+                  <a16:creationId xmlns:a16="http://schemas.microsoft.com/office/drawing/2014/main" id="{6BE64D5E-B142-4F91-B37B-43FEDA7D386B}"/>
+                </a:ext>
+              </a:extLst>
+            </p:cNvPr>
+            <p:cNvSpPr/>
+            <p:nvPr/>
+          </p:nvSpPr>
+          <p:spPr>
+            <a:xfrm>
+              <a:off x="7417261" y="234760"/>
+              <a:ext cx="4425949" cy="380367"/>
+            </a:xfrm>
+            <a:custGeom>
+              <a:avLst/>
+              <a:gdLst>
+                <a:gd name="connsiteX0" fmla="*/ 0 w 4425949"/>
+                <a:gd name="connsiteY0" fmla="*/ 362367 h 380367"/>
+                <a:gd name="connsiteX1" fmla="*/ 4425949 w 4425949"/>
+                <a:gd name="connsiteY1" fmla="*/ 362367 h 380367"/>
+                <a:gd name="connsiteX2" fmla="*/ 4425949 w 4425949"/>
+                <a:gd name="connsiteY2" fmla="*/ 380367 h 380367"/>
+                <a:gd name="connsiteX3" fmla="*/ 0 w 4425949"/>
+                <a:gd name="connsiteY3" fmla="*/ 380367 h 380367"/>
+                <a:gd name="connsiteX4" fmla="*/ 4425949 w 4425949"/>
+                <a:gd name="connsiteY4" fmla="*/ 0 h 380367"/>
+                <a:gd name="connsiteX5" fmla="*/ 4425949 w 4425949"/>
+                <a:gd name="connsiteY5" fmla="*/ 293520 h 380367"/>
+                <a:gd name="connsiteX6" fmla="*/ 4425949 w 4425949"/>
+                <a:gd name="connsiteY6" fmla="*/ 293744 h 380367"/>
+                <a:gd name="connsiteX7" fmla="*/ 4425949 w 4425949"/>
+                <a:gd name="connsiteY7" fmla="*/ 347593 h 380367"/>
+                <a:gd name="connsiteX8" fmla="*/ 0 w 4425949"/>
+                <a:gd name="connsiteY8" fmla="*/ 347593 h 380367"/>
+                <a:gd name="connsiteX9" fmla="*/ 0 w 4425949"/>
+                <a:gd name="connsiteY9" fmla="*/ 293520 h 380367"/>
+                <a:gd name="connsiteX10" fmla="*/ 3445935 w 4425949"/>
+                <a:gd name="connsiteY10" fmla="*/ 293520 h 380367"/>
+                <a:gd name="connsiteX11" fmla="*/ 3445935 w 4425949"/>
+                <a:gd name="connsiteY11" fmla="*/ 248864 h 380367"/>
+                <a:gd name="connsiteX12" fmla="*/ 3509866 w 4425949"/>
+                <a:gd name="connsiteY12" fmla="*/ 235234 h 380367"/>
+                <a:gd name="connsiteX13" fmla="*/ 3509866 w 4425949"/>
+                <a:gd name="connsiteY13" fmla="*/ 293520 h 380367"/>
+                <a:gd name="connsiteX14" fmla="*/ 3547532 w 4425949"/>
+                <a:gd name="connsiteY14" fmla="*/ 293520 h 380367"/>
+                <a:gd name="connsiteX15" fmla="*/ 3547532 w 4425949"/>
+                <a:gd name="connsiteY15" fmla="*/ 220885 h 380367"/>
+                <a:gd name="connsiteX16" fmla="*/ 3613149 w 4425949"/>
+                <a:gd name="connsiteY16" fmla="*/ 206896 h 380367"/>
+                <a:gd name="connsiteX17" fmla="*/ 3613149 w 4425949"/>
+                <a:gd name="connsiteY17" fmla="*/ 293520 h 380367"/>
+                <a:gd name="connsiteX18" fmla="*/ 3649132 w 4425949"/>
+                <a:gd name="connsiteY18" fmla="*/ 293520 h 380367"/>
+                <a:gd name="connsiteX19" fmla="*/ 3649132 w 4425949"/>
+                <a:gd name="connsiteY19" fmla="*/ 192906 h 380367"/>
+                <a:gd name="connsiteX20" fmla="*/ 3714749 w 4425949"/>
+                <a:gd name="connsiteY20" fmla="*/ 178916 h 380367"/>
+                <a:gd name="connsiteX21" fmla="*/ 3714749 w 4425949"/>
+                <a:gd name="connsiteY21" fmla="*/ 293520 h 380367"/>
+                <a:gd name="connsiteX22" fmla="*/ 3750732 w 4425949"/>
+                <a:gd name="connsiteY22" fmla="*/ 293520 h 380367"/>
+                <a:gd name="connsiteX23" fmla="*/ 3750732 w 4425949"/>
+                <a:gd name="connsiteY23" fmla="*/ 164928 h 380367"/>
+                <a:gd name="connsiteX24" fmla="*/ 3814665 w 4425949"/>
+                <a:gd name="connsiteY24" fmla="*/ 151298 h 380367"/>
+                <a:gd name="connsiteX25" fmla="*/ 3814665 w 4425949"/>
+                <a:gd name="connsiteY25" fmla="*/ 293520 h 380367"/>
+                <a:gd name="connsiteX26" fmla="*/ 3852332 w 4425949"/>
+                <a:gd name="connsiteY26" fmla="*/ 293520 h 380367"/>
+                <a:gd name="connsiteX27" fmla="*/ 3852332 w 4425949"/>
+                <a:gd name="connsiteY27" fmla="*/ 136949 h 380367"/>
+                <a:gd name="connsiteX28" fmla="*/ 3916265 w 4425949"/>
+                <a:gd name="connsiteY28" fmla="*/ 123319 h 380367"/>
+                <a:gd name="connsiteX29" fmla="*/ 3916265 w 4425949"/>
+                <a:gd name="connsiteY29" fmla="*/ 293520 h 380367"/>
+                <a:gd name="connsiteX30" fmla="*/ 3953932 w 4425949"/>
+                <a:gd name="connsiteY30" fmla="*/ 293520 h 380367"/>
+                <a:gd name="connsiteX31" fmla="*/ 3953932 w 4425949"/>
+                <a:gd name="connsiteY31" fmla="*/ 108971 h 380367"/>
+                <a:gd name="connsiteX32" fmla="*/ 4019549 w 4425949"/>
+                <a:gd name="connsiteY32" fmla="*/ 94981 h 380367"/>
+                <a:gd name="connsiteX33" fmla="*/ 4019549 w 4425949"/>
+                <a:gd name="connsiteY33" fmla="*/ 293520 h 380367"/>
+                <a:gd name="connsiteX34" fmla="*/ 4055532 w 4425949"/>
+                <a:gd name="connsiteY34" fmla="*/ 293520 h 380367"/>
+                <a:gd name="connsiteX35" fmla="*/ 4055532 w 4425949"/>
+                <a:gd name="connsiteY35" fmla="*/ 80992 h 380367"/>
+                <a:gd name="connsiteX36" fmla="*/ 4121149 w 4425949"/>
+                <a:gd name="connsiteY36" fmla="*/ 67002 h 380367"/>
+                <a:gd name="connsiteX37" fmla="*/ 4121149 w 4425949"/>
+                <a:gd name="connsiteY37" fmla="*/ 293520 h 380367"/>
+                <a:gd name="connsiteX38" fmla="*/ 4157132 w 4425949"/>
+                <a:gd name="connsiteY38" fmla="*/ 293520 h 380367"/>
+                <a:gd name="connsiteX39" fmla="*/ 4157132 w 4425949"/>
+                <a:gd name="connsiteY39" fmla="*/ 53011 h 380367"/>
+                <a:gd name="connsiteX40" fmla="*/ 4222749 w 4425949"/>
+                <a:gd name="connsiteY40" fmla="*/ 39022 h 380367"/>
+                <a:gd name="connsiteX41" fmla="*/ 4222749 w 4425949"/>
+                <a:gd name="connsiteY41" fmla="*/ 293520 h 380367"/>
+                <a:gd name="connsiteX42" fmla="*/ 4258732 w 4425949"/>
+                <a:gd name="connsiteY42" fmla="*/ 293520 h 380367"/>
+                <a:gd name="connsiteX43" fmla="*/ 4258732 w 4425949"/>
+                <a:gd name="connsiteY43" fmla="*/ 25034 h 380367"/>
+                <a:gd name="connsiteX44" fmla="*/ 4324349 w 4425949"/>
+                <a:gd name="connsiteY44" fmla="*/ 11044 h 380367"/>
+                <a:gd name="connsiteX45" fmla="*/ 4324349 w 4425949"/>
+                <a:gd name="connsiteY45" fmla="*/ 293520 h 380367"/>
+                <a:gd name="connsiteX46" fmla="*/ 4360332 w 4425949"/>
+                <a:gd name="connsiteY46" fmla="*/ 293520 h 380367"/>
+                <a:gd name="connsiteX47" fmla="*/ 4360332 w 4425949"/>
+                <a:gd name="connsiteY47" fmla="*/ 2967 h 380367"/>
+              </a:gdLst>
+              <a:ahLst/>
+              <a:cxnLst>
+                <a:cxn ang="0">
+                  <a:pos x="connsiteX0" y="connsiteY0"/>
+                </a:cxn>
+                <a:cxn ang="0">
+                  <a:pos x="connsiteX1" y="connsiteY1"/>
+                </a:cxn>
+                <a:cxn ang="0">
+                  <a:pos x="connsiteX2" y="connsiteY2"/>
+                </a:cxn>
+                <a:cxn ang="0">
+                  <a:pos x="connsiteX3" y="connsiteY3"/>
+                </a:cxn>
+                <a:cxn ang="0">
+                  <a:pos x="connsiteX4" y="connsiteY4"/>
+                </a:cxn>
+                <a:cxn ang="0">
+                  <a:pos x="connsiteX5" y="connsiteY5"/>
+                </a:cxn>
+                <a:cxn ang="0">
+                  <a:pos x="connsiteX6" y="connsiteY6"/>
+                </a:cxn>
+                <a:cxn ang="0">
+                  <a:pos x="connsiteX7" y="connsiteY7"/>
+                </a:cxn>
+                <a:cxn ang="0">
+                  <a:pos x="connsiteX8" y="connsiteY8"/>
+                </a:cxn>
+                <a:cxn ang="0">
+                  <a:pos x="connsiteX9" y="connsiteY9"/>
+                </a:cxn>
+                <a:cxn ang="0">
+                  <a:pos x="connsiteX10" y="connsiteY10"/>
+                </a:cxn>
+                <a:cxn ang="0">
+                  <a:pos x="connsiteX11" y="connsiteY11"/>
+                </a:cxn>
+                <a:cxn ang="0">
+                  <a:pos x="connsiteX12" y="connsiteY12"/>
+                </a:cxn>
+                <a:cxn ang="0">
+                  <a:pos x="connsiteX13" y="connsiteY13"/>
+                </a:cxn>
+                <a:cxn ang="0">
+                  <a:pos x="connsiteX14" y="connsiteY14"/>
+                </a:cxn>
+                <a:cxn ang="0">
+                  <a:pos x="connsiteX15" y="connsiteY15"/>
+                </a:cxn>
+                <a:cxn ang="0">
+                  <a:pos x="connsiteX16" y="connsiteY16"/>
+                </a:cxn>
+                <a:cxn ang="0">
+                  <a:pos x="connsiteX17" y="connsiteY17"/>
+                </a:cxn>
+                <a:cxn ang="0">
+                  <a:pos x="connsiteX18" y="connsiteY18"/>
+                </a:cxn>
+                <a:cxn ang="0">
+                  <a:pos x="connsiteX19" y="connsiteY19"/>
+                </a:cxn>
+                <a:cxn ang="0">
+                  <a:pos x="connsiteX20" y="connsiteY20"/>
+                </a:cxn>
+                <a:cxn ang="0">
+                  <a:pos x="connsiteX21" y="connsiteY21"/>
+                </a:cxn>
+                <a:cxn ang="0">
+                  <a:pos x="connsiteX22" y="connsiteY22"/>
+                </a:cxn>
+                <a:cxn ang="0">
+                  <a:pos x="connsiteX23" y="connsiteY23"/>
+                </a:cxn>
+                <a:cxn ang="0">
+                  <a:pos x="connsiteX24" y="connsiteY24"/>
+                </a:cxn>
+                <a:cxn ang="0">
+                  <a:pos x="connsiteX25" y="connsiteY25"/>
+                </a:cxn>
+                <a:cxn ang="0">
+                  <a:pos x="connsiteX26" y="connsiteY26"/>
+                </a:cxn>
+                <a:cxn ang="0">
+                  <a:pos x="connsiteX27" y="connsiteY27"/>
+                </a:cxn>
+                <a:cxn ang="0">
+                  <a:pos x="connsiteX28" y="connsiteY28"/>
+                </a:cxn>
+                <a:cxn ang="0">
+                  <a:pos x="connsiteX29" y="connsiteY29"/>
+                </a:cxn>
+                <a:cxn ang="0">
+                  <a:pos x="connsiteX30" y="connsiteY30"/>
+                </a:cxn>
+                <a:cxn ang="0">
+                  <a:pos x="connsiteX31" y="connsiteY31"/>
+                </a:cxn>
+                <a:cxn ang="0">
+                  <a:pos x="connsiteX32" y="connsiteY32"/>
+                </a:cxn>
+                <a:cxn ang="0">
+                  <a:pos x="connsiteX33" y="connsiteY33"/>
+                </a:cxn>
+                <a:cxn ang="0">
+                  <a:pos x="connsiteX34" y="connsiteY34"/>
+                </a:cxn>
+                <a:cxn ang="0">
+                  <a:pos x="connsiteX35" y="connsiteY35"/>
+                </a:cxn>
+                <a:cxn ang="0">
+                  <a:pos x="connsiteX36" y="connsiteY36"/>
+                </a:cxn>
+                <a:cxn ang="0">
+                  <a:pos x="connsiteX37" y="connsiteY37"/>
+                </a:cxn>
+                <a:cxn ang="0">
+                  <a:pos x="connsiteX38" y="connsiteY38"/>
+                </a:cxn>
+                <a:cxn ang="0">
+                  <a:pos x="connsiteX39" y="connsiteY39"/>
+                </a:cxn>
+                <a:cxn ang="0">
+                  <a:pos x="connsiteX40" y="connsiteY40"/>
+                </a:cxn>
+                <a:cxn ang="0">
+                  <a:pos x="connsiteX41" y="connsiteY41"/>
+                </a:cxn>
+                <a:cxn ang="0">
+                  <a:pos x="connsiteX42" y="connsiteY42"/>
+                </a:cxn>
+                <a:cxn ang="0">
+                  <a:pos x="connsiteX43" y="connsiteY43"/>
+                </a:cxn>
+                <a:cxn ang="0">
+                  <a:pos x="connsiteX44" y="connsiteY44"/>
+                </a:cxn>
+                <a:cxn ang="0">
+                  <a:pos x="connsiteX45" y="connsiteY45"/>
+                </a:cxn>
+                <a:cxn ang="0">
+                  <a:pos x="connsiteX46" y="connsiteY46"/>
+                </a:cxn>
+                <a:cxn ang="0">
+                  <a:pos x="connsiteX47" y="connsiteY47"/>
+                </a:cxn>
+              </a:cxnLst>
+              <a:rect l="l" t="t" r="r" b="b"/>
+              <a:pathLst>
+                <a:path w="4425949" h="380367">
+                  <a:moveTo>
+                    <a:pt x="0" y="362367"/>
+                  </a:moveTo>
+                  <a:lnTo>
+                    <a:pt x="4425949" y="362367"/>
+                  </a:lnTo>
+                  <a:lnTo>
+                    <a:pt x="4425949" y="380367"/>
+                  </a:lnTo>
+                  <a:lnTo>
+                    <a:pt x="0" y="380367"/>
+                  </a:lnTo>
+                  <a:close/>
+                  <a:moveTo>
+                    <a:pt x="4425949" y="0"/>
+                  </a:moveTo>
+                  <a:lnTo>
+                    <a:pt x="4425949" y="293520"/>
+                  </a:lnTo>
+                  <a:lnTo>
+                    <a:pt x="4425949" y="293744"/>
+                  </a:lnTo>
+                  <a:lnTo>
+                    <a:pt x="4425949" y="347593"/>
+                  </a:lnTo>
+                  <a:lnTo>
+                    <a:pt x="0" y="347593"/>
+                  </a:lnTo>
+                  <a:lnTo>
+                    <a:pt x="0" y="293520"/>
+                  </a:lnTo>
+                  <a:lnTo>
+                    <a:pt x="3445935" y="293520"/>
+                  </a:lnTo>
+                  <a:lnTo>
+                    <a:pt x="3445935" y="248864"/>
+                  </a:lnTo>
+                  <a:lnTo>
+                    <a:pt x="3509866" y="235234"/>
+                  </a:lnTo>
+                  <a:lnTo>
+                    <a:pt x="3509866" y="293520"/>
+                  </a:lnTo>
+                  <a:lnTo>
+                    <a:pt x="3547532" y="293520"/>
+                  </a:lnTo>
+                  <a:lnTo>
+                    <a:pt x="3547532" y="220885"/>
+                  </a:lnTo>
+                  <a:lnTo>
+                    <a:pt x="3613149" y="206896"/>
+                  </a:lnTo>
+                  <a:lnTo>
+                    <a:pt x="3613149" y="293520"/>
+                  </a:lnTo>
+                  <a:lnTo>
+                    <a:pt x="3649132" y="293520"/>
+                  </a:lnTo>
+                  <a:lnTo>
+                    <a:pt x="3649132" y="192906"/>
+                  </a:lnTo>
+                  <a:lnTo>
+                    <a:pt x="3714749" y="178916"/>
+                  </a:lnTo>
+                  <a:lnTo>
+                    <a:pt x="3714749" y="293520"/>
+                  </a:lnTo>
+                  <a:lnTo>
+                    <a:pt x="3750732" y="293520"/>
+                  </a:lnTo>
+                  <a:lnTo>
+                    <a:pt x="3750732" y="164928"/>
+                  </a:lnTo>
+                  <a:lnTo>
+                    <a:pt x="3814665" y="151298"/>
+                  </a:lnTo>
+                  <a:lnTo>
+                    <a:pt x="3814665" y="293520"/>
+                  </a:lnTo>
+                  <a:lnTo>
+                    <a:pt x="3852332" y="293520"/>
+                  </a:lnTo>
+                  <a:lnTo>
+                    <a:pt x="3852332" y="136949"/>
+                  </a:lnTo>
+                  <a:lnTo>
+                    <a:pt x="3916265" y="123319"/>
+                  </a:lnTo>
+                  <a:lnTo>
+                    <a:pt x="3916265" y="293520"/>
+                  </a:lnTo>
+                  <a:lnTo>
+                    <a:pt x="3953932" y="293520"/>
+                  </a:lnTo>
+                  <a:lnTo>
+                    <a:pt x="3953932" y="108971"/>
+                  </a:lnTo>
+                  <a:lnTo>
+                    <a:pt x="4019549" y="94981"/>
+                  </a:lnTo>
+                  <a:lnTo>
+                    <a:pt x="4019549" y="293520"/>
+                  </a:lnTo>
+                  <a:lnTo>
+                    <a:pt x="4055532" y="293520"/>
+                  </a:lnTo>
+                  <a:lnTo>
+                    <a:pt x="4055532" y="80992"/>
+                  </a:lnTo>
+                  <a:lnTo>
+                    <a:pt x="4121149" y="67002"/>
+                  </a:lnTo>
+                  <a:lnTo>
+                    <a:pt x="4121149" y="293520"/>
+                  </a:lnTo>
+                  <a:lnTo>
+                    <a:pt x="4157132" y="293520"/>
+                  </a:lnTo>
+                  <a:lnTo>
+                    <a:pt x="4157132" y="53011"/>
+                  </a:lnTo>
+                  <a:lnTo>
+                    <a:pt x="4222749" y="39022"/>
+                  </a:lnTo>
+                  <a:lnTo>
+                    <a:pt x="4222749" y="293520"/>
+                  </a:lnTo>
+                  <a:lnTo>
+                    <a:pt x="4258732" y="293520"/>
+                  </a:lnTo>
+                  <a:lnTo>
+                    <a:pt x="4258732" y="25034"/>
+                  </a:lnTo>
+                  <a:lnTo>
+                    <a:pt x="4324349" y="11044"/>
+                  </a:lnTo>
+                  <a:lnTo>
+                    <a:pt x="4324349" y="293520"/>
+                  </a:lnTo>
+                  <a:lnTo>
+                    <a:pt x="4360332" y="293520"/>
+                  </a:lnTo>
+                  <a:lnTo>
+                    <a:pt x="4360332" y="2967"/>
+                  </a:lnTo>
+                  <a:close/>
+                </a:path>
+              </a:pathLst>
+            </a:custGeom>
+            <a:gradFill flip="none" rotWithShape="1">
+              <a:gsLst>
+                <a:gs pos="0">
+                  <a:schemeClr val="accent1">
+                    <a:lumMod val="5000"/>
+                    <a:lumOff val="95000"/>
+                  </a:schemeClr>
+                </a:gs>
+                <a:gs pos="80000">
+                  <a:schemeClr val="accent1">
+                    <a:lumMod val="45000"/>
+                    <a:lumOff val="55000"/>
+                  </a:schemeClr>
+                </a:gs>
+                <a:gs pos="92000">
+                  <a:schemeClr val="accent5">
+                    <a:lumMod val="60000"/>
+                    <a:lumOff val="40000"/>
+                  </a:schemeClr>
+                </a:gs>
+                <a:gs pos="100000">
+                  <a:srgbClr val="002060"/>
+                </a:gs>
+              </a:gsLst>
+              <a:lin ang="0" scaled="1"/>
+              <a:tileRect/>
+            </a:gradFill>
+            <a:ln>
+              <a:noFill/>
+            </a:ln>
+            <a:effectLst>
+              <a:outerShdw blurRad="50800" dist="38100" dir="2700000" algn="tl" rotWithShape="0">
+                <a:prstClr val="black">
+                  <a:alpha val="40000"/>
+                </a:prstClr>
+              </a:outerShdw>
+            </a:effectLst>
+          </p:spPr>
+          <p:style>
+            <a:lnRef idx="2">
+              <a:schemeClr val="accent1">
+                <a:shade val="50000"/>
+              </a:schemeClr>
+            </a:lnRef>
+            <a:fillRef idx="1">
+              <a:schemeClr val="accent1"/>
+            </a:fillRef>
+            <a:effectRef idx="0">
+              <a:schemeClr val="accent1"/>
+            </a:effectRef>
+            <a:fontRef idx="minor">
+              <a:schemeClr val="lt1"/>
+            </a:fontRef>
+          </p:style>
+          <p:txBody>
+            <a:bodyPr rtlCol="0" anchor="ctr"/>
+            <a:lstStyle/>
+            <a:p>
+              <a:pPr algn="ctr"/>
+              <a:endParaRPr lang="ko-KR" altLang="en-US" sz="1600"/>
+            </a:p>
+          </p:txBody>
+        </p:sp>
+        <p:grpSp>
+          <p:nvGrpSpPr>
+            <p:cNvPr id="6" name="Group 42">
+              <a:extLst>
+                <a:ext uri="{FF2B5EF4-FFF2-40B4-BE49-F238E27FC236}">
+                  <a16:creationId xmlns:a16="http://schemas.microsoft.com/office/drawing/2014/main" id="{00BB961C-A708-4833-B31C-E7CDCDB89493}"/>
+                </a:ext>
+              </a:extLst>
+            </p:cNvPr>
+            <p:cNvGrpSpPr/>
+            <p:nvPr/>
+          </p:nvGrpSpPr>
+          <p:grpSpPr>
+            <a:xfrm>
+              <a:off x="301874" y="289279"/>
+              <a:ext cx="7140326" cy="329299"/>
+              <a:chOff x="706582" y="590204"/>
+              <a:chExt cx="7054714" cy="329299"/>
+            </a:xfrm>
+          </p:grpSpPr>
+          <p:sp>
+            <p:nvSpPr>
+              <p:cNvPr id="7" name="Rectangle 43">
+                <a:extLst>
+                  <a:ext uri="{FF2B5EF4-FFF2-40B4-BE49-F238E27FC236}">
+                    <a16:creationId xmlns:a16="http://schemas.microsoft.com/office/drawing/2014/main" id="{657E762A-A5B2-448E-9E2B-3A7FE1FFDBCB}"/>
+                  </a:ext>
+                </a:extLst>
+              </p:cNvPr>
+              <p:cNvSpPr/>
+              <p:nvPr/>
+            </p:nvSpPr>
+            <p:spPr>
+              <a:xfrm>
+                <a:off x="706582" y="590204"/>
+                <a:ext cx="7054714" cy="329299"/>
+              </a:xfrm>
+              <a:prstGeom prst="rect">
+                <a:avLst/>
+              </a:prstGeom>
+              <a:gradFill>
+                <a:gsLst>
+                  <a:gs pos="0">
+                    <a:srgbClr val="002060"/>
+                  </a:gs>
+                  <a:gs pos="77000">
+                    <a:schemeClr val="accent5">
+                      <a:lumMod val="60000"/>
+                      <a:lumOff val="40000"/>
+                    </a:schemeClr>
+                  </a:gs>
+                  <a:gs pos="91000">
+                    <a:schemeClr val="accent5">
+                      <a:lumMod val="20000"/>
+                      <a:lumOff val="80000"/>
+                    </a:schemeClr>
+                  </a:gs>
+                  <a:gs pos="100000">
+                    <a:schemeClr val="bg1"/>
+                  </a:gs>
+                </a:gsLst>
+                <a:lin ang="0" scaled="1"/>
+              </a:gradFill>
+            </p:spPr>
+            <p:style>
+              <a:lnRef idx="0">
+                <a:schemeClr val="accent5"/>
+              </a:lnRef>
+              <a:fillRef idx="3">
+                <a:schemeClr val="accent5"/>
+              </a:fillRef>
+              <a:effectRef idx="3">
+                <a:schemeClr val="accent5"/>
+              </a:effectRef>
+              <a:fontRef idx="minor">
+                <a:schemeClr val="lt1"/>
+              </a:fontRef>
+            </p:style>
+            <p:txBody>
+              <a:bodyPr rtlCol="0" anchor="ctr"/>
+              <a:lstStyle/>
+              <a:p>
+                <a:pPr marL="360000"/>
+                <a:r>
+                  <a:rPr lang="ko-KR" altLang="en-US" sz="1600" dirty="0">
+                    <a:solidFill>
+                      <a:srgbClr val="FFFF00"/>
+                    </a:solidFill>
+                  </a:rPr>
+                  <a:t>풍선 보너스</a:t>
+                </a:r>
+              </a:p>
+            </p:txBody>
+          </p:sp>
+          <p:sp>
+            <p:nvSpPr>
+              <p:cNvPr id="8" name="Flowchart: Off-page Connector 44">
+                <a:extLst>
+                  <a:ext uri="{FF2B5EF4-FFF2-40B4-BE49-F238E27FC236}">
+                    <a16:creationId xmlns:a16="http://schemas.microsoft.com/office/drawing/2014/main" id="{4635FA89-738A-4AEE-858A-844484C67C92}"/>
+                  </a:ext>
+                </a:extLst>
+              </p:cNvPr>
+              <p:cNvSpPr/>
+              <p:nvPr/>
+            </p:nvSpPr>
+            <p:spPr>
+              <a:xfrm rot="16200000">
+                <a:off x="807469" y="639422"/>
+                <a:ext cx="200288" cy="230861"/>
+              </a:xfrm>
+              <a:prstGeom prst="flowChartOffpageConnector">
+                <a:avLst/>
+              </a:prstGeom>
+              <a:solidFill>
+                <a:srgbClr val="00B050"/>
+              </a:solidFill>
+              <a:ln>
+                <a:solidFill>
+                  <a:srgbClr val="92D050"/>
+                </a:solidFill>
+              </a:ln>
+              <a:scene3d>
+                <a:camera prst="orthographicFront"/>
+                <a:lightRig rig="threePt" dir="t"/>
+              </a:scene3d>
+              <a:sp3d>
+                <a:bevelT/>
+              </a:sp3d>
+            </p:spPr>
+            <p:style>
+              <a:lnRef idx="2">
+                <a:schemeClr val="accent1">
+                  <a:shade val="50000"/>
+                </a:schemeClr>
+              </a:lnRef>
+              <a:fillRef idx="1">
+                <a:schemeClr val="accent1"/>
+              </a:fillRef>
+              <a:effectRef idx="0">
+                <a:schemeClr val="accent1"/>
+              </a:effectRef>
+              <a:fontRef idx="minor">
+                <a:schemeClr val="lt1"/>
+              </a:fontRef>
+            </p:style>
+            <p:txBody>
+              <a:bodyPr rtlCol="0" anchor="ctr"/>
+              <a:lstStyle/>
+              <a:p>
+                <a:pPr algn="ctr"/>
+                <a:endParaRPr lang="ko-KR" altLang="en-US" sz="1600">
+                  <a:solidFill>
+                    <a:srgbClr val="FFFF00"/>
+                  </a:solidFill>
+                </a:endParaRPr>
+              </a:p>
+            </p:txBody>
+          </p:sp>
+        </p:grpSp>
+      </p:grpSp>
+      <p:sp>
+        <p:nvSpPr>
+          <p:cNvPr id="9" name="TextBox 8">
+            <a:extLst>
+              <a:ext uri="{FF2B5EF4-FFF2-40B4-BE49-F238E27FC236}">
+                <a16:creationId xmlns:a16="http://schemas.microsoft.com/office/drawing/2014/main" id="{146CD174-C226-43E1-8087-106F1CE814BA}"/>
+              </a:ext>
+            </a:extLst>
+          </p:cNvPr>
+          <p:cNvSpPr txBox="1"/>
+          <p:nvPr/>
+        </p:nvSpPr>
+        <p:spPr>
+          <a:xfrm>
+            <a:off x="622177" y="869281"/>
+            <a:ext cx="10389535" cy="1323439"/>
+          </a:xfrm>
+          <a:prstGeom prst="rect">
+            <a:avLst/>
+          </a:prstGeom>
+          <a:noFill/>
+        </p:spPr>
+        <p:txBody>
+          <a:bodyPr wrap="square" rtlCol="0">
+            <a:spAutoFit/>
+          </a:bodyPr>
+          <a:lstStyle/>
+          <a:p>
+            <a:pPr marL="171450" indent="-171450" algn="l" defTabSz="540000">
+              <a:spcAft>
+                <a:spcPts val="600"/>
+              </a:spcAft>
+              <a:buFont typeface="Arial" panose="020B0604020202020204" pitchFamily="34" charset="0"/>
+              <a:buChar char="•"/>
+            </a:pPr>
+            <a:r>
+              <a:rPr lang="ko-KR" altLang="en-US" sz="1200" dirty="0"/>
+              <a:t>풍선을 터트렸을 때 타임 보너스가 주어진다</a:t>
+            </a:r>
+            <a:r>
+              <a:rPr lang="en-US" altLang="ko-KR" sz="1200" dirty="0"/>
+              <a:t>.</a:t>
+            </a:r>
+          </a:p>
+          <a:p>
+            <a:pPr marL="171450" indent="-171450" algn="l" defTabSz="540000">
+              <a:spcAft>
+                <a:spcPts val="600"/>
+              </a:spcAft>
+              <a:buFont typeface="Arial" panose="020B0604020202020204" pitchFamily="34" charset="0"/>
+              <a:buChar char="•"/>
+            </a:pPr>
+            <a:r>
+              <a:rPr lang="ko-KR" altLang="en-US" sz="1200" dirty="0"/>
+              <a:t>타임 보너스는 </a:t>
+            </a:r>
+            <a:r>
+              <a:rPr lang="en-US" altLang="ko-KR" sz="1200" dirty="0"/>
+              <a:t>3</a:t>
+            </a:r>
+            <a:r>
+              <a:rPr lang="ko-KR" altLang="en-US" sz="1200" dirty="0"/>
+              <a:t>초</a:t>
+            </a:r>
+            <a:r>
+              <a:rPr lang="en-US" altLang="ko-KR" sz="1200" dirty="0"/>
+              <a:t>.</a:t>
+            </a:r>
+          </a:p>
+          <a:p>
+            <a:pPr marL="171450" indent="-171450" algn="l" defTabSz="540000">
+              <a:spcAft>
+                <a:spcPts val="600"/>
+              </a:spcAft>
+              <a:buFont typeface="Arial" panose="020B0604020202020204" pitchFamily="34" charset="0"/>
+              <a:buChar char="•"/>
+            </a:pPr>
+            <a:endParaRPr lang="en-US" altLang="ko-KR" sz="1200" dirty="0"/>
+          </a:p>
+          <a:p>
+            <a:pPr marL="171450" indent="-171450" algn="l" defTabSz="540000">
+              <a:spcAft>
+                <a:spcPts val="600"/>
+              </a:spcAft>
+              <a:buFont typeface="Arial" panose="020B0604020202020204" pitchFamily="34" charset="0"/>
+              <a:buChar char="•"/>
+            </a:pPr>
+            <a:r>
+              <a:rPr lang="ko-KR" altLang="en-US" sz="1200" dirty="0">
+                <a:highlight>
+                  <a:srgbClr val="FFFF00"/>
+                </a:highlight>
+              </a:rPr>
+              <a:t>이벤트 장애물을 몬스터로 대체하고 몬스터와 맞닥뜨리면 화면 전환 후 </a:t>
+            </a:r>
+            <a:r>
+              <a:rPr lang="ko-KR" altLang="en-US" sz="1200" dirty="0" err="1">
+                <a:highlight>
+                  <a:srgbClr val="FFFF00"/>
+                </a:highlight>
+              </a:rPr>
+              <a:t>청기</a:t>
+            </a:r>
+            <a:r>
+              <a:rPr lang="ko-KR" altLang="en-US" sz="1200" dirty="0">
+                <a:highlight>
+                  <a:srgbClr val="FFFF00"/>
+                </a:highlight>
+              </a:rPr>
+              <a:t> 백기 형식의 전투 진행</a:t>
+            </a:r>
+            <a:r>
+              <a:rPr lang="en-US" altLang="ko-KR" sz="1200" dirty="0">
+                <a:highlight>
+                  <a:srgbClr val="FFFF00"/>
+                </a:highlight>
+              </a:rPr>
+              <a:t>.</a:t>
+            </a:r>
+          </a:p>
+          <a:p>
+            <a:pPr marL="171450" indent="-171450" algn="l" defTabSz="540000">
+              <a:spcAft>
+                <a:spcPts val="600"/>
+              </a:spcAft>
+              <a:buFont typeface="Arial" panose="020B0604020202020204" pitchFamily="34" charset="0"/>
+              <a:buChar char="•"/>
+            </a:pPr>
+            <a:r>
+              <a:rPr lang="en-US" altLang="ko-KR" sz="1200" dirty="0">
+                <a:hlinkClick r:id="rId2"/>
+              </a:rPr>
+              <a:t>(34) </a:t>
+            </a:r>
+            <a:r>
+              <a:rPr lang="ko-KR" altLang="en-US" sz="1200" dirty="0" err="1">
+                <a:hlinkClick r:id="rId2"/>
+              </a:rPr>
+              <a:t>아이비</a:t>
+            </a:r>
+            <a:r>
+              <a:rPr lang="en-US" altLang="ko-KR" sz="1200" dirty="0">
+                <a:hlinkClick r:id="rId2"/>
+              </a:rPr>
+              <a:t>VR</a:t>
+            </a:r>
+            <a:r>
+              <a:rPr lang="ko-KR" altLang="en-US" sz="1200" dirty="0">
+                <a:hlinkClick r:id="rId2"/>
+              </a:rPr>
+              <a:t>스포츠와 함께하는 </a:t>
+            </a:r>
+            <a:r>
+              <a:rPr lang="ko-KR" altLang="en-US" sz="1200" dirty="0" err="1">
+                <a:hlinkClick r:id="rId2"/>
+              </a:rPr>
+              <a:t>눈손협응력검사</a:t>
+            </a:r>
+            <a:r>
+              <a:rPr lang="en-US" altLang="ko-KR" sz="1200" dirty="0">
+                <a:hlinkClick r:id="rId2"/>
+              </a:rPr>
+              <a:t>~~ - YouTube</a:t>
+            </a:r>
+            <a:r>
+              <a:rPr lang="en-US" altLang="ko-KR" sz="1200" dirty="0"/>
+              <a:t> </a:t>
+            </a:r>
+            <a:r>
+              <a:rPr lang="ko-KR" altLang="en-US" sz="1200" dirty="0"/>
+              <a:t>참고</a:t>
+            </a:r>
+            <a:endParaRPr lang="en-US" altLang="ko-KR" sz="1200" dirty="0"/>
+          </a:p>
+        </p:txBody>
+      </p:sp>
+      <p:sp>
+        <p:nvSpPr>
+          <p:cNvPr id="38" name="슬라이드 번호 개체 틀 2">
+            <a:extLst>
+              <a:ext uri="{FF2B5EF4-FFF2-40B4-BE49-F238E27FC236}">
+                <a16:creationId xmlns:a16="http://schemas.microsoft.com/office/drawing/2014/main" id="{6B652310-DD50-4670-BD73-08FAB33CD77B}"/>
+              </a:ext>
+            </a:extLst>
+          </p:cNvPr>
+          <p:cNvSpPr>
+            <a:spLocks noGrp="1"/>
+          </p:cNvSpPr>
+          <p:nvPr>
+            <p:ph type="sldNum" sz="quarter" idx="12"/>
+          </p:nvPr>
+        </p:nvSpPr>
+        <p:spPr>
+          <a:xfrm>
+            <a:off x="8610600" y="6356350"/>
+            <a:ext cx="2743200" cy="365125"/>
+          </a:xfrm>
+        </p:spPr>
+        <p:txBody>
+          <a:bodyPr/>
+          <a:lstStyle/>
+          <a:p>
+            <a:fld id="{A8E1BB39-725C-444B-809E-419522618855}" type="slidenum">
+              <a:rPr lang="ko-KR" altLang="en-US" smtClean="0"/>
+              <a:t>16</a:t>
+            </a:fld>
+            <a:endParaRPr lang="ko-KR" altLang="en-US" dirty="0"/>
+          </a:p>
+        </p:txBody>
+      </p:sp>
+    </p:spTree>
+    <p:extLst>
+      <p:ext uri="{BB962C8B-B14F-4D97-AF65-F5344CB8AC3E}">
+        <p14:creationId xmlns:p14="http://schemas.microsoft.com/office/powerpoint/2010/main" val="1025026343"/>
       </p:ext>
     </p:extLst>
   </p:cSld>
@@ -15277,14 +16529,14 @@
           <p:nvPr>
             <p:extLst>
               <p:ext uri="{D42A27DB-BD31-4B8C-83A1-F6EECF244321}">
-                <p14:modId xmlns:p14="http://schemas.microsoft.com/office/powerpoint/2010/main" val="142302476"/>
+                <p14:modId xmlns:p14="http://schemas.microsoft.com/office/powerpoint/2010/main" val="2486679412"/>
               </p:ext>
             </p:extLst>
           </p:nvPr>
         </p:nvGraphicFramePr>
         <p:xfrm>
           <a:off x="301874" y="886687"/>
-          <a:ext cx="11541336" cy="1005840"/>
+          <a:ext cx="11541336" cy="1981200"/>
         </p:xfrm>
         <a:graphic>
           <a:graphicData uri="http://schemas.openxmlformats.org/drawingml/2006/table">
@@ -15541,6 +16793,345 @@
                 <a:extLst>
                   <a:ext uri="{0D108BD9-81ED-4DB2-BD59-A6C34878D82A}">
                     <a16:rowId xmlns:a16="http://schemas.microsoft.com/office/drawing/2014/main" val="225080876"/>
+                  </a:ext>
+                </a:extLst>
+              </a:tr>
+              <a:tr h="0">
+                <a:tc>
+                  <a:txBody>
+                    <a:bodyPr/>
+                    <a:lstStyle/>
+                    <a:p>
+                      <a:pPr algn="ctr" latinLnBrk="1"/>
+                      <a:r>
+                        <a:rPr lang="en-US" altLang="ko-KR" sz="1000" dirty="0"/>
+                        <a:t>2020.08.06</a:t>
+                      </a:r>
+                      <a:endParaRPr lang="ko-KR" altLang="en-US" sz="1000" dirty="0"/>
+                    </a:p>
+                  </a:txBody>
+                  <a:tcPr anchor="ctr"/>
+                </a:tc>
+                <a:tc>
+                  <a:txBody>
+                    <a:bodyPr/>
+                    <a:lstStyle/>
+                    <a:p>
+                      <a:pPr algn="ctr" latinLnBrk="1"/>
+                      <a:r>
+                        <a:rPr lang="ko-KR" altLang="en-US" sz="1000" dirty="0"/>
+                        <a:t>문상윤</a:t>
+                      </a:r>
+                      <a:endParaRPr lang="en-US" altLang="ko-KR" sz="1000" dirty="0"/>
+                    </a:p>
+                  </a:txBody>
+                  <a:tcPr anchor="ctr"/>
+                </a:tc>
+                <a:tc>
+                  <a:txBody>
+                    <a:bodyPr/>
+                    <a:lstStyle/>
+                    <a:p>
+                      <a:pPr algn="ctr" latinLnBrk="1"/>
+                      <a:r>
+                        <a:rPr lang="ko-KR" altLang="en-US" sz="1000" dirty="0">
+                          <a:highlight>
+                            <a:srgbClr val="00FF00"/>
+                          </a:highlight>
+                        </a:rPr>
+                        <a:t>통나무 허들로 수정</a:t>
+                      </a:r>
+                      <a:endParaRPr lang="en-US" altLang="ko-KR" sz="1000" dirty="0">
+                        <a:highlight>
+                          <a:srgbClr val="00FF00"/>
+                        </a:highlight>
+                      </a:endParaRPr>
+                    </a:p>
+                  </a:txBody>
+                  <a:tcPr marL="0" marR="0" marT="0" marB="0" anchor="ctr"/>
+                </a:tc>
+                <a:extLst>
+                  <a:ext uri="{0D108BD9-81ED-4DB2-BD59-A6C34878D82A}">
+                    <a16:rowId xmlns:a16="http://schemas.microsoft.com/office/drawing/2014/main" val="171180169"/>
+                  </a:ext>
+                </a:extLst>
+              </a:tr>
+              <a:tr h="0">
+                <a:tc>
+                  <a:txBody>
+                    <a:bodyPr/>
+                    <a:lstStyle/>
+                    <a:p>
+                      <a:pPr algn="ctr" latinLnBrk="1"/>
+                      <a:r>
+                        <a:rPr lang="en-US" altLang="ko-KR" sz="1000" dirty="0"/>
+                        <a:t>2020.08.19</a:t>
+                      </a:r>
+                      <a:endParaRPr lang="ko-KR" altLang="en-US" sz="1000" dirty="0"/>
+                    </a:p>
+                  </a:txBody>
+                  <a:tcPr anchor="ctr"/>
+                </a:tc>
+                <a:tc>
+                  <a:txBody>
+                    <a:bodyPr/>
+                    <a:lstStyle/>
+                    <a:p>
+                      <a:pPr algn="ctr" latinLnBrk="1"/>
+                      <a:r>
+                        <a:rPr lang="ko-KR" altLang="en-US" sz="1000" dirty="0"/>
+                        <a:t>문상윤</a:t>
+                      </a:r>
+                      <a:endParaRPr lang="en-US" altLang="ko-KR" sz="1000" dirty="0"/>
+                    </a:p>
+                  </a:txBody>
+                  <a:tcPr anchor="ctr"/>
+                </a:tc>
+                <a:tc>
+                  <a:txBody>
+                    <a:bodyPr/>
+                    <a:lstStyle/>
+                    <a:p>
+                      <a:pPr algn="ctr" latinLnBrk="1"/>
+                      <a:r>
+                        <a:rPr lang="ko-KR" altLang="en-US" sz="1000" dirty="0">
+                          <a:highlight>
+                            <a:srgbClr val="00FFFF"/>
+                          </a:highlight>
+                        </a:rPr>
+                        <a:t>기름 웅덩이 </a:t>
+                      </a:r>
+                      <a:r>
+                        <a:rPr lang="en-US" altLang="ko-KR" sz="1000" dirty="0">
+                          <a:highlight>
+                            <a:srgbClr val="00FFFF"/>
+                          </a:highlight>
+                        </a:rPr>
+                        <a:t>&gt; </a:t>
+                      </a:r>
+                      <a:r>
+                        <a:rPr lang="ko-KR" altLang="en-US" sz="1000" dirty="0" err="1">
+                          <a:highlight>
+                            <a:srgbClr val="00FFFF"/>
+                          </a:highlight>
+                        </a:rPr>
+                        <a:t>곰덫으로</a:t>
+                      </a:r>
+                      <a:r>
+                        <a:rPr lang="ko-KR" altLang="en-US" sz="1000" dirty="0">
+                          <a:highlight>
+                            <a:srgbClr val="00FFFF"/>
+                          </a:highlight>
+                        </a:rPr>
+                        <a:t> 수정</a:t>
+                      </a:r>
+                      <a:endParaRPr lang="en-US" altLang="ko-KR" sz="1000" dirty="0">
+                        <a:highlight>
+                          <a:srgbClr val="00FFFF"/>
+                        </a:highlight>
+                      </a:endParaRPr>
+                    </a:p>
+                  </a:txBody>
+                  <a:tcPr marL="0" marR="0" marT="0" marB="0" anchor="ctr"/>
+                </a:tc>
+                <a:extLst>
+                  <a:ext uri="{0D108BD9-81ED-4DB2-BD59-A6C34878D82A}">
+                    <a16:rowId xmlns:a16="http://schemas.microsoft.com/office/drawing/2014/main" val="3727131737"/>
+                  </a:ext>
+                </a:extLst>
+              </a:tr>
+              <a:tr h="0">
+                <a:tc>
+                  <a:txBody>
+                    <a:bodyPr/>
+                    <a:lstStyle/>
+                    <a:p>
+                      <a:pPr algn="ctr" latinLnBrk="1"/>
+                      <a:r>
+                        <a:rPr lang="en-US" altLang="ko-KR" sz="1000" dirty="0"/>
+                        <a:t>2020.08.24</a:t>
+                      </a:r>
+                      <a:endParaRPr lang="ko-KR" altLang="en-US" sz="1000" dirty="0"/>
+                    </a:p>
+                  </a:txBody>
+                  <a:tcPr anchor="ctr"/>
+                </a:tc>
+                <a:tc>
+                  <a:txBody>
+                    <a:bodyPr/>
+                    <a:lstStyle/>
+                    <a:p>
+                      <a:pPr algn="ctr" latinLnBrk="1"/>
+                      <a:r>
+                        <a:rPr lang="ko-KR" altLang="en-US" sz="1000" dirty="0"/>
+                        <a:t>문상윤</a:t>
+                      </a:r>
+                      <a:endParaRPr lang="en-US" altLang="ko-KR" sz="1000" dirty="0"/>
+                    </a:p>
+                  </a:txBody>
+                  <a:tcPr anchor="ctr"/>
+                </a:tc>
+                <a:tc>
+                  <a:txBody>
+                    <a:bodyPr/>
+                    <a:lstStyle/>
+                    <a:p>
+                      <a:pPr algn="ctr" latinLnBrk="1"/>
+                      <a:r>
+                        <a:rPr lang="ko-KR" altLang="en-US" sz="1000" dirty="0">
+                          <a:highlight>
+                            <a:srgbClr val="FF00FF"/>
+                          </a:highlight>
+                        </a:rPr>
+                        <a:t>최종 점수 계산식 </a:t>
+                      </a:r>
+                      <a:r>
+                        <a:rPr lang="en-US" altLang="ko-KR" sz="1000" dirty="0">
+                          <a:highlight>
+                            <a:srgbClr val="FF00FF"/>
+                          </a:highlight>
+                        </a:rPr>
+                        <a:t>: </a:t>
+                      </a:r>
+                      <a:r>
+                        <a:rPr lang="ko-KR" altLang="en-US" sz="1000" dirty="0">
+                          <a:highlight>
+                            <a:srgbClr val="FF00FF"/>
+                          </a:highlight>
+                        </a:rPr>
+                        <a:t>하트 획득 점수 </a:t>
+                      </a:r>
+                      <a:r>
+                        <a:rPr lang="en-US" altLang="ko-KR" sz="1000" dirty="0">
+                          <a:highlight>
+                            <a:srgbClr val="FF00FF"/>
+                          </a:highlight>
+                        </a:rPr>
+                        <a:t>+ (</a:t>
+                      </a:r>
+                      <a:r>
+                        <a:rPr lang="ko-KR" altLang="en-US" sz="1000" dirty="0" err="1">
+                          <a:highlight>
+                            <a:srgbClr val="FF00FF"/>
+                          </a:highlight>
+                        </a:rPr>
+                        <a:t>콤보수</a:t>
+                      </a:r>
+                      <a:r>
+                        <a:rPr lang="ko-KR" altLang="en-US" sz="1000" dirty="0">
+                          <a:highlight>
+                            <a:srgbClr val="FF00FF"/>
+                          </a:highlight>
+                        </a:rPr>
+                        <a:t> </a:t>
+                      </a:r>
+                      <a:r>
+                        <a:rPr lang="en-US" altLang="ko-KR" sz="1000" dirty="0">
+                          <a:highlight>
+                            <a:srgbClr val="FF00FF"/>
+                          </a:highlight>
+                        </a:rPr>
+                        <a:t>x </a:t>
+                      </a:r>
+                      <a:r>
+                        <a:rPr lang="ko-KR" altLang="en-US" sz="1000" dirty="0">
+                          <a:highlight>
+                            <a:srgbClr val="FF00FF"/>
+                          </a:highlight>
+                        </a:rPr>
+                        <a:t>콤보 계수</a:t>
+                      </a:r>
+                      <a:r>
+                        <a:rPr lang="en-US" altLang="ko-KR" sz="1000" dirty="0">
+                          <a:highlight>
+                            <a:srgbClr val="FF00FF"/>
+                          </a:highlight>
+                        </a:rPr>
+                        <a:t>) </a:t>
+                      </a:r>
+                    </a:p>
+                  </a:txBody>
+                  <a:tcPr marL="0" marR="0" marT="0" marB="0" anchor="ctr"/>
+                </a:tc>
+                <a:extLst>
+                  <a:ext uri="{0D108BD9-81ED-4DB2-BD59-A6C34878D82A}">
+                    <a16:rowId xmlns:a16="http://schemas.microsoft.com/office/drawing/2014/main" val="2958173335"/>
+                  </a:ext>
+                </a:extLst>
+              </a:tr>
+              <a:tr h="0">
+                <a:tc>
+                  <a:txBody>
+                    <a:bodyPr/>
+                    <a:lstStyle/>
+                    <a:p>
+                      <a:pPr algn="ctr" latinLnBrk="1"/>
+                      <a:r>
+                        <a:rPr lang="en-US" altLang="ko-KR" sz="1000" dirty="0"/>
+                        <a:t>2021.01.04</a:t>
+                      </a:r>
+                      <a:endParaRPr lang="ko-KR" altLang="en-US" sz="1000" dirty="0"/>
+                    </a:p>
+                  </a:txBody>
+                  <a:tcPr anchor="ctr"/>
+                </a:tc>
+                <a:tc>
+                  <a:txBody>
+                    <a:bodyPr/>
+                    <a:lstStyle/>
+                    <a:p>
+                      <a:pPr algn="ctr" latinLnBrk="1"/>
+                      <a:r>
+                        <a:rPr lang="ko-KR" altLang="en-US" sz="1000" dirty="0"/>
+                        <a:t>문상윤</a:t>
+                      </a:r>
+                      <a:endParaRPr lang="en-US" altLang="ko-KR" sz="1000" dirty="0"/>
+                    </a:p>
+                  </a:txBody>
+                  <a:tcPr anchor="ctr"/>
+                </a:tc>
+                <a:tc>
+                  <a:txBody>
+                    <a:bodyPr/>
+                    <a:lstStyle/>
+                    <a:p>
+                      <a:pPr marL="0" marR="0" lvl="0" indent="0" algn="ctr" defTabSz="914400" rtl="0" eaLnBrk="1" fontAlgn="auto" latinLnBrk="1" hangingPunct="1">
+                        <a:lnSpc>
+                          <a:spcPct val="100000"/>
+                        </a:lnSpc>
+                        <a:spcBef>
+                          <a:spcPts val="0"/>
+                        </a:spcBef>
+                        <a:spcAft>
+                          <a:spcPts val="0"/>
+                        </a:spcAft>
+                        <a:buClrTx/>
+                        <a:buSzTx/>
+                        <a:buFontTx/>
+                        <a:buNone/>
+                        <a:tabLst/>
+                        <a:defRPr/>
+                      </a:pPr>
+                      <a:r>
+                        <a:rPr lang="ko-KR" altLang="en-US" sz="1000" dirty="0">
+                          <a:highlight>
+                            <a:srgbClr val="FFFF00"/>
+                          </a:highlight>
+                        </a:rPr>
+                        <a:t>통나무 허들로 수정</a:t>
+                      </a:r>
+                      <a:endParaRPr lang="en-US" altLang="ko-KR" sz="1000" dirty="0">
+                        <a:highlight>
+                          <a:srgbClr val="FFFF00"/>
+                        </a:highlight>
+                      </a:endParaRPr>
+                    </a:p>
+                  </a:txBody>
+                  <a:tcPr marL="0" marR="0" marT="0" marB="0" anchor="ctr"/>
+                </a:tc>
+                <a:extLst>
+                  <a:ext uri="{0D108BD9-81ED-4DB2-BD59-A6C34878D82A}">
+                    <a16:rowId xmlns:a16="http://schemas.microsoft.com/office/drawing/2014/main" val="434195913"/>
                   </a:ext>
                 </a:extLst>
               </a:tr>
@@ -28298,7 +29889,7 @@
         <p:spPr>
           <a:xfrm>
             <a:off x="622177" y="1098672"/>
-            <a:ext cx="5751282" cy="1915396"/>
+            <a:ext cx="5751282" cy="2177006"/>
           </a:xfrm>
           <a:prstGeom prst="rect">
             <a:avLst/>
@@ -28509,6 +30100,31 @@
             </a:r>
             <a:r>
               <a:rPr lang="en-US" altLang="ko-KR" sz="1200" dirty="0"/>
+              <a:t>.</a:t>
+            </a:r>
+          </a:p>
+          <a:p>
+            <a:pPr marL="171450" indent="-171450" defTabSz="540000">
+              <a:spcAft>
+                <a:spcPts val="600"/>
+              </a:spcAft>
+              <a:buFont typeface="Arial" panose="020B0604020202020204" pitchFamily="34" charset="0"/>
+              <a:buChar char="•"/>
+            </a:pPr>
+            <a:r>
+              <a:rPr lang="ko-KR" altLang="en-US" sz="1200" dirty="0">
+                <a:highlight>
+                  <a:srgbClr val="FFFF00"/>
+                </a:highlight>
+              </a:rPr>
+              <a:t>통나무 장애물은 허들 장애물로 변경합니다</a:t>
+            </a:r>
+            <a:r>
+              <a:rPr lang="en-US" altLang="ko-KR" sz="1200" dirty="0">
+                <a:highlight>
+                  <a:srgbClr val="FFFF00"/>
+                </a:highlight>
+              </a:rPr>
               <a:t>.</a:t>
             </a:r>
           </a:p>
@@ -32424,7 +34040,7 @@
         <p:spPr>
           <a:xfrm>
             <a:off x="622175" y="869281"/>
-            <a:ext cx="10389535" cy="1246495"/>
+            <a:ext cx="11114024" cy="2893100"/>
           </a:xfrm>
           <a:prstGeom prst="rect">
             <a:avLst/>
@@ -32583,6 +34199,343 @@
               <a:rPr lang="en-US" altLang="ko-KR" sz="1200" dirty="0"/>
               <a:t>.</a:t>
             </a:r>
+          </a:p>
+          <a:p>
+            <a:pPr marL="171450" indent="-171450" algn="l" defTabSz="540000">
+              <a:spcAft>
+                <a:spcPts val="600"/>
+              </a:spcAft>
+              <a:buFont typeface="Arial" panose="020B0604020202020204" pitchFamily="34" charset="0"/>
+              <a:buChar char="•"/>
+            </a:pPr>
+            <a:r>
+              <a:rPr lang="ko-KR" altLang="en-US" sz="1200" dirty="0">
+                <a:highlight>
+                  <a:srgbClr val="FF00FF"/>
+                </a:highlight>
+              </a:rPr>
+              <a:t>최종 점수 계산식 </a:t>
+            </a:r>
+            <a:r>
+              <a:rPr lang="en-US" altLang="ko-KR" sz="1200" dirty="0">
+                <a:highlight>
+                  <a:srgbClr val="FF00FF"/>
+                </a:highlight>
+              </a:rPr>
+              <a:t>= </a:t>
+            </a:r>
+            <a:r>
+              <a:rPr lang="ko-KR" altLang="en-US" sz="1200" dirty="0">
+                <a:highlight>
+                  <a:srgbClr val="FF00FF"/>
+                </a:highlight>
+              </a:rPr>
+              <a:t>하트 획득 점수 </a:t>
+            </a:r>
+            <a:r>
+              <a:rPr lang="en-US" altLang="ko-KR" sz="1200" dirty="0">
+                <a:highlight>
+                  <a:srgbClr val="FF00FF"/>
+                </a:highlight>
+              </a:rPr>
+              <a:t>+ (</a:t>
+            </a:r>
+            <a:r>
+              <a:rPr lang="ko-KR" altLang="en-US" sz="1200" dirty="0" err="1">
+                <a:highlight>
+                  <a:srgbClr val="FF00FF"/>
+                </a:highlight>
+              </a:rPr>
+              <a:t>콤보수</a:t>
+            </a:r>
+            <a:r>
+              <a:rPr lang="ko-KR" altLang="en-US" sz="1200" dirty="0">
+                <a:highlight>
+                  <a:srgbClr val="FF00FF"/>
+                </a:highlight>
+              </a:rPr>
+              <a:t> </a:t>
+            </a:r>
+            <a:r>
+              <a:rPr lang="en-US" altLang="ko-KR" sz="1200" dirty="0">
+                <a:highlight>
+                  <a:srgbClr val="FF00FF"/>
+                </a:highlight>
+              </a:rPr>
+              <a:t>x </a:t>
+            </a:r>
+            <a:r>
+              <a:rPr lang="ko-KR" altLang="en-US" sz="1200" dirty="0">
+                <a:highlight>
+                  <a:srgbClr val="FF00FF"/>
+                </a:highlight>
+              </a:rPr>
+              <a:t>콤보 계수</a:t>
+            </a:r>
+            <a:r>
+              <a:rPr lang="en-US" altLang="ko-KR" sz="1200" dirty="0">
+                <a:highlight>
+                  <a:srgbClr val="FF00FF"/>
+                </a:highlight>
+              </a:rPr>
+              <a:t>) + (</a:t>
+            </a:r>
+            <a:r>
+              <a:rPr lang="ko-KR" altLang="en-US" sz="1200" dirty="0" err="1">
+                <a:highlight>
+                  <a:srgbClr val="FF00FF"/>
+                </a:highlight>
+              </a:rPr>
+              <a:t>콤보수</a:t>
+            </a:r>
+            <a:r>
+              <a:rPr lang="ko-KR" altLang="en-US" sz="1200" dirty="0">
+                <a:highlight>
+                  <a:srgbClr val="FF00FF"/>
+                </a:highlight>
+              </a:rPr>
+              <a:t> </a:t>
+            </a:r>
+            <a:r>
+              <a:rPr lang="en-US" altLang="ko-KR" sz="1200" dirty="0">
+                <a:highlight>
+                  <a:srgbClr val="FF00FF"/>
+                </a:highlight>
+              </a:rPr>
+              <a:t>x </a:t>
+            </a:r>
+            <a:r>
+              <a:rPr lang="ko-KR" altLang="en-US" sz="1200" dirty="0">
+                <a:highlight>
+                  <a:srgbClr val="FF00FF"/>
+                </a:highlight>
+              </a:rPr>
+              <a:t>콤보 계수</a:t>
+            </a:r>
+            <a:r>
+              <a:rPr lang="en-US" altLang="ko-KR" sz="1200" dirty="0">
+                <a:highlight>
+                  <a:srgbClr val="FF00FF"/>
+                </a:highlight>
+              </a:rPr>
+              <a:t>)</a:t>
+            </a:r>
+          </a:p>
+          <a:p>
+            <a:pPr marL="171450" indent="-171450" algn="l" defTabSz="540000">
+              <a:spcAft>
+                <a:spcPts val="600"/>
+              </a:spcAft>
+              <a:buFont typeface="Arial" panose="020B0604020202020204" pitchFamily="34" charset="0"/>
+              <a:buChar char="•"/>
+            </a:pPr>
+            <a:r>
+              <a:rPr lang="ko-KR" altLang="en-US" sz="1200" dirty="0"/>
+              <a:t>콤보는 아래의 경우에 증가한다</a:t>
+            </a:r>
+            <a:r>
+              <a:rPr lang="en-US" altLang="ko-KR" sz="1200" dirty="0"/>
+              <a:t>.</a:t>
+            </a:r>
+          </a:p>
+          <a:p>
+            <a:pPr marL="171450" indent="-171450" algn="l" defTabSz="540000">
+              <a:spcAft>
+                <a:spcPts val="600"/>
+              </a:spcAft>
+              <a:buFont typeface="Arial" panose="020B0604020202020204" pitchFamily="34" charset="0"/>
+              <a:buChar char="•"/>
+            </a:pPr>
+            <a:r>
+              <a:rPr lang="ko-KR" altLang="en-US" sz="1200" dirty="0"/>
+              <a:t>하트를 </a:t>
+            </a:r>
+            <a:r>
+              <a:rPr lang="en-US" altLang="ko-KR" sz="1200" dirty="0"/>
+              <a:t>1</a:t>
+            </a:r>
+            <a:r>
+              <a:rPr lang="ko-KR" altLang="en-US" sz="1200" dirty="0"/>
+              <a:t>개 이상 </a:t>
+            </a:r>
+            <a:r>
+              <a:rPr lang="en-US" altLang="ko-KR" sz="1200" dirty="0"/>
+              <a:t>8</a:t>
+            </a:r>
+            <a:r>
+              <a:rPr lang="ko-KR" altLang="en-US" sz="1200" dirty="0"/>
+              <a:t>개 이하 획득 했을 때 </a:t>
+            </a:r>
+            <a:r>
+              <a:rPr lang="en-US" altLang="ko-KR" sz="1200" dirty="0"/>
+              <a:t>1</a:t>
+            </a:r>
+            <a:r>
+              <a:rPr lang="ko-KR" altLang="en-US" sz="1200" dirty="0"/>
+              <a:t>콤보로 기록된다</a:t>
+            </a:r>
+            <a:r>
+              <a:rPr lang="en-US" altLang="ko-KR" sz="1200" dirty="0"/>
+              <a:t>.</a:t>
+            </a:r>
+          </a:p>
+          <a:p>
+            <a:pPr marL="171450" indent="-171450" algn="l" defTabSz="540000">
+              <a:spcAft>
+                <a:spcPts val="600"/>
+              </a:spcAft>
+              <a:buFont typeface="Arial" panose="020B0604020202020204" pitchFamily="34" charset="0"/>
+              <a:buChar char="•"/>
+            </a:pPr>
+            <a:r>
+              <a:rPr lang="ko-KR" altLang="en-US" sz="1200" dirty="0"/>
+              <a:t>장애물을 회피했을 때 </a:t>
+            </a:r>
+            <a:r>
+              <a:rPr lang="en-US" altLang="ko-KR" sz="1200" dirty="0"/>
+              <a:t>1</a:t>
+            </a:r>
+            <a:r>
+              <a:rPr lang="ko-KR" altLang="en-US" sz="1200" dirty="0"/>
+              <a:t>콤보로 기록된다</a:t>
+            </a:r>
+            <a:r>
+              <a:rPr lang="en-US" altLang="ko-KR" sz="1200" dirty="0"/>
+              <a:t>.</a:t>
+            </a:r>
+          </a:p>
+          <a:p>
+            <a:pPr marL="171450" indent="-171450" algn="l" defTabSz="540000">
+              <a:spcAft>
+                <a:spcPts val="600"/>
+              </a:spcAft>
+              <a:buFont typeface="Arial" panose="020B0604020202020204" pitchFamily="34" charset="0"/>
+              <a:buChar char="•"/>
+            </a:pPr>
+            <a:r>
+              <a:rPr lang="ko-KR" altLang="en-US" sz="1200" dirty="0"/>
+              <a:t>풍선을 터트린 것은 콤보로 기록하지 않는다</a:t>
+            </a:r>
+            <a:r>
+              <a:rPr lang="en-US" altLang="ko-KR" sz="1200" dirty="0"/>
+              <a:t>. </a:t>
+            </a:r>
+            <a:r>
+              <a:rPr lang="ko-KR" altLang="en-US" sz="1200" dirty="0"/>
+              <a:t>이동 시간과 이동 거리는 점수에 포함하지 않는다</a:t>
+            </a:r>
+            <a:r>
+              <a:rPr lang="en-US" altLang="ko-KR" sz="1200" dirty="0"/>
+              <a:t>.</a:t>
+            </a:r>
+          </a:p>
+          <a:p>
+            <a:pPr marL="171450" indent="-171450" algn="l" defTabSz="540000">
+              <a:spcAft>
+                <a:spcPts val="600"/>
+              </a:spcAft>
+              <a:buFont typeface="Arial" panose="020B0604020202020204" pitchFamily="34" charset="0"/>
+              <a:buChar char="•"/>
+            </a:pPr>
+            <a:r>
+              <a:rPr lang="ko-KR" altLang="en-US" sz="1200" dirty="0" err="1"/>
+              <a:t>콜리젼</a:t>
+            </a:r>
+            <a:r>
+              <a:rPr lang="en-US" altLang="ko-KR" sz="1200" dirty="0"/>
+              <a:t>(</a:t>
+            </a:r>
+            <a:r>
+              <a:rPr lang="ko-KR" altLang="en-US" sz="1200" dirty="0"/>
+              <a:t>장애물</a:t>
+            </a:r>
+            <a:r>
+              <a:rPr lang="en-US" altLang="ko-KR" sz="1200" dirty="0"/>
+              <a:t>)</a:t>
+            </a:r>
+            <a:r>
+              <a:rPr lang="ko-KR" altLang="en-US" sz="1200" dirty="0"/>
+              <a:t>과 부딪혔을 때 누적 </a:t>
+            </a:r>
+            <a:r>
+              <a:rPr lang="ko-KR" altLang="en-US" sz="1200" dirty="0" err="1"/>
+              <a:t>콤보수는</a:t>
+            </a:r>
+            <a:r>
+              <a:rPr lang="ko-KR" altLang="en-US" sz="1200" dirty="0"/>
+              <a:t> </a:t>
+            </a:r>
+            <a:r>
+              <a:rPr lang="en-US" altLang="ko-KR" sz="1200" dirty="0"/>
+              <a:t>0</a:t>
+            </a:r>
+            <a:r>
+              <a:rPr lang="ko-KR" altLang="en-US" sz="1200" dirty="0" err="1"/>
+              <a:t>이되며</a:t>
+            </a:r>
+            <a:r>
+              <a:rPr lang="ko-KR" altLang="en-US" sz="1200" dirty="0"/>
+              <a:t> </a:t>
+            </a:r>
+            <a:r>
+              <a:rPr lang="ko-KR" altLang="en-US" sz="1200" dirty="0" err="1"/>
+              <a:t>콤보수가</a:t>
+            </a:r>
+            <a:r>
+              <a:rPr lang="ko-KR" altLang="en-US" sz="1200" dirty="0"/>
+              <a:t> </a:t>
+            </a:r>
+            <a:r>
+              <a:rPr lang="en-US" altLang="ko-KR" sz="1200" dirty="0"/>
+              <a:t>0</a:t>
+            </a:r>
+            <a:r>
+              <a:rPr lang="ko-KR" altLang="en-US" sz="1200" dirty="0"/>
+              <a:t>이 </a:t>
+            </a:r>
+            <a:r>
+              <a:rPr lang="ko-KR" altLang="en-US" sz="1200" dirty="0" err="1"/>
+              <a:t>되기전</a:t>
+            </a:r>
+            <a:r>
+              <a:rPr lang="ko-KR" altLang="en-US" sz="1200" dirty="0"/>
+              <a:t> </a:t>
+            </a:r>
+            <a:r>
+              <a:rPr lang="ko-KR" altLang="en-US" sz="1200" dirty="0" err="1"/>
+              <a:t>콤보수를</a:t>
+            </a:r>
+            <a:r>
+              <a:rPr lang="ko-KR" altLang="en-US" sz="1200" dirty="0"/>
+              <a:t> 가지고 점수를 기록한다</a:t>
+            </a:r>
+            <a:r>
+              <a:rPr lang="en-US" altLang="ko-KR" sz="1200" dirty="0"/>
+              <a:t>. </a:t>
+            </a:r>
+            <a:r>
+              <a:rPr lang="ko-KR" altLang="en-US" sz="1200" dirty="0"/>
+              <a:t>점수는 소수점 첫째 자리까지 기록한다</a:t>
+            </a:r>
+            <a:r>
+              <a:rPr lang="en-US" altLang="ko-KR" sz="1200" dirty="0"/>
+              <a:t>.</a:t>
+            </a:r>
+            <a:r>
+              <a:rPr lang="ko-KR" altLang="en-US" sz="1200" dirty="0"/>
+              <a:t> </a:t>
+            </a:r>
+            <a:endParaRPr lang="en-US" altLang="ko-KR" sz="1200" dirty="0"/>
+          </a:p>
+          <a:p>
+            <a:pPr marL="171450" indent="-171450" algn="l" defTabSz="540000">
+              <a:spcAft>
+                <a:spcPts val="600"/>
+              </a:spcAft>
+              <a:buFont typeface="Arial" panose="020B0604020202020204" pitchFamily="34" charset="0"/>
+              <a:buChar char="•"/>
+            </a:pPr>
+            <a:endParaRPr lang="en-US" altLang="ko-KR" sz="1200" dirty="0"/>
           </a:p>
         </p:txBody>
       </p:sp>
@@ -32648,8 +34601,642 @@
         </p:blipFill>
         <p:spPr>
           <a:xfrm>
-            <a:off x="709261" y="3530998"/>
+            <a:off x="709261" y="3798272"/>
             <a:ext cx="5037063" cy="2833348"/>
+          </a:xfrm>
+          <a:prstGeom prst="rect">
+            <a:avLst/>
+          </a:prstGeom>
+        </p:spPr>
+      </p:pic>
+      <p:graphicFrame>
+        <p:nvGraphicFramePr>
+          <p:cNvPr id="2" name="표 1">
+            <a:extLst>
+              <a:ext uri="{FF2B5EF4-FFF2-40B4-BE49-F238E27FC236}">
+                <a16:creationId xmlns:a16="http://schemas.microsoft.com/office/drawing/2014/main" id="{2DDCDAB6-7C78-4390-81D5-9D53C23C413E}"/>
+              </a:ext>
+            </a:extLst>
+          </p:cNvPr>
+          <p:cNvGraphicFramePr>
+            <a:graphicFrameLocks noGrp="1"/>
+          </p:cNvGraphicFramePr>
+          <p:nvPr>
+            <p:extLst>
+              <p:ext uri="{D42A27DB-BD31-4B8C-83A1-F6EECF244321}">
+                <p14:modId xmlns:p14="http://schemas.microsoft.com/office/powerpoint/2010/main" val="3133917037"/>
+              </p:ext>
+            </p:extLst>
+          </p:nvPr>
+        </p:nvGraphicFramePr>
+        <p:xfrm>
+          <a:off x="7646244" y="3798272"/>
+          <a:ext cx="2873551" cy="2833350"/>
+        </p:xfrm>
+        <a:graphic>
+          <a:graphicData uri="http://schemas.openxmlformats.org/drawingml/2006/table">
+            <a:tbl>
+              <a:tblPr firstRow="1" bandRow="1">
+                <a:tableStyleId>{7DF18680-E054-41AD-8BC1-D1AEF772440D}</a:tableStyleId>
+              </a:tblPr>
+              <a:tblGrid>
+                <a:gridCol w="816998">
+                  <a:extLst>
+                    <a:ext uri="{9D8B030D-6E8A-4147-A177-3AD203B41FA5}">
+                      <a16:colId xmlns:a16="http://schemas.microsoft.com/office/drawing/2014/main" val="2609718321"/>
+                    </a:ext>
+                  </a:extLst>
+                </a:gridCol>
+                <a:gridCol w="908179">
+                  <a:extLst>
+                    <a:ext uri="{9D8B030D-6E8A-4147-A177-3AD203B41FA5}">
+                      <a16:colId xmlns:a16="http://schemas.microsoft.com/office/drawing/2014/main" val="1806240342"/>
+                    </a:ext>
+                  </a:extLst>
+                </a:gridCol>
+                <a:gridCol w="1148374">
+                  <a:extLst>
+                    <a:ext uri="{9D8B030D-6E8A-4147-A177-3AD203B41FA5}">
+                      <a16:colId xmlns:a16="http://schemas.microsoft.com/office/drawing/2014/main" val="1093096958"/>
+                    </a:ext>
+                  </a:extLst>
+                </a:gridCol>
+              </a:tblGrid>
+              <a:tr h="331171">
+                <a:tc>
+                  <a:txBody>
+                    <a:bodyPr/>
+                    <a:lstStyle/>
+                    <a:p>
+                      <a:pPr algn="ctr" latinLnBrk="1"/>
+                      <a:r>
+                        <a:rPr lang="ko-KR" altLang="en-US" sz="1200" dirty="0" err="1"/>
+                        <a:t>콤보수</a:t>
+                      </a:r>
+                      <a:endParaRPr lang="ko-KR" altLang="en-US" sz="1200" dirty="0"/>
+                    </a:p>
+                  </a:txBody>
+                  <a:tcPr anchor="ctr"/>
+                </a:tc>
+                <a:tc>
+                  <a:txBody>
+                    <a:bodyPr/>
+                    <a:lstStyle/>
+                    <a:p>
+                      <a:pPr algn="ctr" latinLnBrk="1"/>
+                      <a:r>
+                        <a:rPr lang="ko-KR" altLang="en-US" sz="1200" dirty="0"/>
+                        <a:t>콤보 계수</a:t>
+                      </a:r>
+                    </a:p>
+                  </a:txBody>
+                  <a:tcPr anchor="ctr"/>
+                </a:tc>
+                <a:tc>
+                  <a:txBody>
+                    <a:bodyPr/>
+                    <a:lstStyle/>
+                    <a:p>
+                      <a:pPr algn="ctr" latinLnBrk="1"/>
+                      <a:r>
+                        <a:rPr lang="ko-KR" altLang="en-US" sz="1200" dirty="0"/>
+                        <a:t>예시</a:t>
+                      </a:r>
+                    </a:p>
+                  </a:txBody>
+                  <a:tcPr anchor="ctr"/>
+                </a:tc>
+                <a:extLst>
+                  <a:ext uri="{0D108BD9-81ED-4DB2-BD59-A6C34878D82A}">
+                    <a16:rowId xmlns:a16="http://schemas.microsoft.com/office/drawing/2014/main" val="1030043679"/>
+                  </a:ext>
+                </a:extLst>
+              </a:tr>
+              <a:tr h="294374">
+                <a:tc>
+                  <a:txBody>
+                    <a:bodyPr/>
+                    <a:lstStyle/>
+                    <a:p>
+                      <a:pPr algn="ctr" latinLnBrk="1"/>
+                      <a:r>
+                        <a:rPr lang="en-US" altLang="ko-KR" sz="1000" dirty="0"/>
+                        <a:t>1~10</a:t>
+                      </a:r>
+                      <a:endParaRPr lang="ko-KR" altLang="en-US" sz="1000" dirty="0"/>
+                    </a:p>
+                  </a:txBody>
+                  <a:tcPr anchor="ctr"/>
+                </a:tc>
+                <a:tc>
+                  <a:txBody>
+                    <a:bodyPr/>
+                    <a:lstStyle/>
+                    <a:p>
+                      <a:pPr algn="ctr" latinLnBrk="1"/>
+                      <a:r>
+                        <a:rPr lang="en-US" altLang="ko-KR" sz="1000" dirty="0"/>
+                        <a:t>1</a:t>
+                      </a:r>
+                      <a:endParaRPr lang="ko-KR" altLang="en-US" sz="1000" dirty="0"/>
+                    </a:p>
+                  </a:txBody>
+                  <a:tcPr anchor="ctr"/>
+                </a:tc>
+                <a:tc>
+                  <a:txBody>
+                    <a:bodyPr/>
+                    <a:lstStyle/>
+                    <a:p>
+                      <a:pPr algn="ctr" latinLnBrk="1"/>
+                      <a:r>
+                        <a:rPr lang="en-US" altLang="ko-KR" sz="1000" dirty="0"/>
+                        <a:t>5x1 =5</a:t>
+                      </a:r>
+                      <a:endParaRPr lang="ko-KR" altLang="en-US" sz="1000" dirty="0"/>
+                    </a:p>
+                  </a:txBody>
+                  <a:tcPr anchor="ctr"/>
+                </a:tc>
+                <a:extLst>
+                  <a:ext uri="{0D108BD9-81ED-4DB2-BD59-A6C34878D82A}">
+                    <a16:rowId xmlns:a16="http://schemas.microsoft.com/office/drawing/2014/main" val="1571209726"/>
+                  </a:ext>
+                </a:extLst>
+              </a:tr>
+              <a:tr h="294374">
+                <a:tc>
+                  <a:txBody>
+                    <a:bodyPr/>
+                    <a:lstStyle/>
+                    <a:p>
+                      <a:pPr marL="0" marR="0" lvl="0" indent="0" algn="ctr" defTabSz="914400" rtl="0" eaLnBrk="1" fontAlgn="auto" latinLnBrk="1" hangingPunct="1">
+                        <a:lnSpc>
+                          <a:spcPct val="100000"/>
+                        </a:lnSpc>
+                        <a:spcBef>
+                          <a:spcPts val="0"/>
+                        </a:spcBef>
+                        <a:spcAft>
+                          <a:spcPts val="0"/>
+                        </a:spcAft>
+                        <a:buClrTx/>
+                        <a:buSzTx/>
+                        <a:buFontTx/>
+                        <a:buNone/>
+                        <a:tabLst/>
+                        <a:defRPr/>
+                      </a:pPr>
+                      <a:r>
+                        <a:rPr lang="en-US" altLang="ko-KR" sz="1000" dirty="0"/>
+                        <a:t>11~20</a:t>
+                      </a:r>
+                      <a:endParaRPr lang="ko-KR" altLang="en-US" sz="1000" dirty="0"/>
+                    </a:p>
+                  </a:txBody>
+                  <a:tcPr anchor="ctr"/>
+                </a:tc>
+                <a:tc>
+                  <a:txBody>
+                    <a:bodyPr/>
+                    <a:lstStyle/>
+                    <a:p>
+                      <a:pPr algn="ctr" latinLnBrk="1"/>
+                      <a:r>
+                        <a:rPr lang="en-US" altLang="ko-KR" sz="1000" dirty="0"/>
+                        <a:t>1.1</a:t>
+                      </a:r>
+                      <a:endParaRPr lang="ko-KR" altLang="en-US" sz="1000" dirty="0"/>
+                    </a:p>
+                  </a:txBody>
+                  <a:tcPr anchor="ctr"/>
+                </a:tc>
+                <a:tc>
+                  <a:txBody>
+                    <a:bodyPr/>
+                    <a:lstStyle/>
+                    <a:p>
+                      <a:pPr algn="ctr" latinLnBrk="1"/>
+                      <a:r>
+                        <a:rPr lang="en-US" altLang="ko-KR" sz="1000" dirty="0"/>
+                        <a:t>12x1.1 =13.2</a:t>
+                      </a:r>
+                    </a:p>
+                  </a:txBody>
+                  <a:tcPr anchor="ctr"/>
+                </a:tc>
+                <a:extLst>
+                  <a:ext uri="{0D108BD9-81ED-4DB2-BD59-A6C34878D82A}">
+                    <a16:rowId xmlns:a16="http://schemas.microsoft.com/office/drawing/2014/main" val="1127776374"/>
+                  </a:ext>
+                </a:extLst>
+              </a:tr>
+              <a:tr h="294374">
+                <a:tc>
+                  <a:txBody>
+                    <a:bodyPr/>
+                    <a:lstStyle/>
+                    <a:p>
+                      <a:pPr algn="ctr" latinLnBrk="1"/>
+                      <a:r>
+                        <a:rPr lang="en-US" altLang="ko-KR" sz="1000" dirty="0"/>
+                        <a:t>21~30</a:t>
+                      </a:r>
+                      <a:endParaRPr lang="ko-KR" altLang="en-US" sz="1000" dirty="0"/>
+                    </a:p>
+                  </a:txBody>
+                  <a:tcPr anchor="ctr"/>
+                </a:tc>
+                <a:tc>
+                  <a:txBody>
+                    <a:bodyPr/>
+                    <a:lstStyle/>
+                    <a:p>
+                      <a:pPr algn="ctr" latinLnBrk="1"/>
+                      <a:r>
+                        <a:rPr lang="en-US" altLang="ko-KR" sz="1000" dirty="0"/>
+                        <a:t>1.2</a:t>
+                      </a:r>
+                      <a:endParaRPr lang="ko-KR" altLang="en-US" sz="1000" dirty="0"/>
+                    </a:p>
+                  </a:txBody>
+                  <a:tcPr anchor="ctr"/>
+                </a:tc>
+                <a:tc>
+                  <a:txBody>
+                    <a:bodyPr/>
+                    <a:lstStyle/>
+                    <a:p>
+                      <a:pPr algn="ctr" latinLnBrk="1"/>
+                      <a:r>
+                        <a:rPr lang="en-US" altLang="ko-KR" sz="1000" dirty="0"/>
+                        <a:t>30x1.2 = 36</a:t>
+                      </a:r>
+                      <a:endParaRPr lang="ko-KR" altLang="en-US" sz="1000" dirty="0"/>
+                    </a:p>
+                  </a:txBody>
+                  <a:tcPr anchor="ctr"/>
+                </a:tc>
+                <a:extLst>
+                  <a:ext uri="{0D108BD9-81ED-4DB2-BD59-A6C34878D82A}">
+                    <a16:rowId xmlns:a16="http://schemas.microsoft.com/office/drawing/2014/main" val="1106619967"/>
+                  </a:ext>
+                </a:extLst>
+              </a:tr>
+              <a:tr h="441561">
+                <a:tc>
+                  <a:txBody>
+                    <a:bodyPr/>
+                    <a:lstStyle/>
+                    <a:p>
+                      <a:pPr algn="ctr" latinLnBrk="1"/>
+                      <a:r>
+                        <a:rPr lang="en-US" altLang="ko-KR" sz="1000" dirty="0">
+                          <a:highlight>
+                            <a:srgbClr val="00FFFF"/>
+                          </a:highlight>
+                        </a:rPr>
+                        <a:t>31~40</a:t>
+                      </a:r>
+                      <a:endParaRPr lang="ko-KR" altLang="en-US" sz="1000" dirty="0">
+                        <a:highlight>
+                          <a:srgbClr val="00FFFF"/>
+                        </a:highlight>
+                      </a:endParaRPr>
+                    </a:p>
+                  </a:txBody>
+                  <a:tcPr anchor="ctr"/>
+                </a:tc>
+                <a:tc>
+                  <a:txBody>
+                    <a:bodyPr/>
+                    <a:lstStyle/>
+                    <a:p>
+                      <a:pPr marL="0" marR="0" lvl="0" indent="0" algn="ctr" defTabSz="914400" rtl="0" eaLnBrk="1" fontAlgn="auto" latinLnBrk="1" hangingPunct="1">
+                        <a:lnSpc>
+                          <a:spcPct val="100000"/>
+                        </a:lnSpc>
+                        <a:spcBef>
+                          <a:spcPts val="0"/>
+                        </a:spcBef>
+                        <a:spcAft>
+                          <a:spcPts val="0"/>
+                        </a:spcAft>
+                        <a:buClrTx/>
+                        <a:buSzTx/>
+                        <a:buFontTx/>
+                        <a:buNone/>
+                        <a:tabLst/>
+                        <a:defRPr/>
+                      </a:pPr>
+                      <a:r>
+                        <a:rPr lang="en-US" altLang="ko-KR" sz="1000" dirty="0"/>
+                        <a:t>1.3</a:t>
+                      </a:r>
+                      <a:endParaRPr lang="ko-KR" altLang="en-US" sz="1000" dirty="0"/>
+                    </a:p>
+                  </a:txBody>
+                  <a:tcPr anchor="ctr"/>
+                </a:tc>
+                <a:tc>
+                  <a:txBody>
+                    <a:bodyPr/>
+                    <a:lstStyle/>
+                    <a:p>
+                      <a:pPr marL="0" marR="0" lvl="0" indent="0" algn="ctr" defTabSz="914400" rtl="0" eaLnBrk="1" fontAlgn="auto" latinLnBrk="1" hangingPunct="1">
+                        <a:lnSpc>
+                          <a:spcPct val="100000"/>
+                        </a:lnSpc>
+                        <a:spcBef>
+                          <a:spcPts val="0"/>
+                        </a:spcBef>
+                        <a:spcAft>
+                          <a:spcPts val="0"/>
+                        </a:spcAft>
+                        <a:buClrTx/>
+                        <a:buSzTx/>
+                        <a:buFontTx/>
+                        <a:buNone/>
+                        <a:tabLst/>
+                        <a:defRPr/>
+                      </a:pPr>
+                      <a:r>
+                        <a:rPr lang="en-US" altLang="ko-KR" sz="1000" dirty="0"/>
+                        <a:t>40x1.3= 52</a:t>
+                      </a:r>
+                      <a:endParaRPr lang="ko-KR" altLang="en-US" sz="1000" dirty="0"/>
+                    </a:p>
+                  </a:txBody>
+                  <a:tcPr anchor="ctr"/>
+                </a:tc>
+                <a:extLst>
+                  <a:ext uri="{0D108BD9-81ED-4DB2-BD59-A6C34878D82A}">
+                    <a16:rowId xmlns:a16="http://schemas.microsoft.com/office/drawing/2014/main" val="2776667099"/>
+                  </a:ext>
+                </a:extLst>
+              </a:tr>
+              <a:tr h="294374">
+                <a:tc>
+                  <a:txBody>
+                    <a:bodyPr/>
+                    <a:lstStyle/>
+                    <a:p>
+                      <a:pPr marL="0" marR="0" lvl="0" indent="0" algn="ctr" defTabSz="914400" rtl="0" eaLnBrk="1" fontAlgn="auto" latinLnBrk="1" hangingPunct="1">
+                        <a:lnSpc>
+                          <a:spcPct val="100000"/>
+                        </a:lnSpc>
+                        <a:spcBef>
+                          <a:spcPts val="0"/>
+                        </a:spcBef>
+                        <a:spcAft>
+                          <a:spcPts val="0"/>
+                        </a:spcAft>
+                        <a:buClrTx/>
+                        <a:buSzTx/>
+                        <a:buFontTx/>
+                        <a:buNone/>
+                        <a:tabLst/>
+                        <a:defRPr/>
+                      </a:pPr>
+                      <a:r>
+                        <a:rPr lang="en-US" altLang="ko-KR" sz="1000" dirty="0"/>
+                        <a:t>41~50</a:t>
+                      </a:r>
+                      <a:endParaRPr lang="ko-KR" altLang="en-US" sz="1000" dirty="0"/>
+                    </a:p>
+                  </a:txBody>
+                  <a:tcPr anchor="ctr"/>
+                </a:tc>
+                <a:tc>
+                  <a:txBody>
+                    <a:bodyPr/>
+                    <a:lstStyle/>
+                    <a:p>
+                      <a:pPr algn="ctr" latinLnBrk="1"/>
+                      <a:r>
+                        <a:rPr lang="en-US" altLang="ko-KR" sz="1000" dirty="0"/>
+                        <a:t>1.4</a:t>
+                      </a:r>
+                      <a:endParaRPr lang="ko-KR" altLang="en-US" sz="1000" dirty="0"/>
+                    </a:p>
+                  </a:txBody>
+                  <a:tcPr anchor="ctr"/>
+                </a:tc>
+                <a:tc>
+                  <a:txBody>
+                    <a:bodyPr/>
+                    <a:lstStyle/>
+                    <a:p>
+                      <a:pPr algn="ctr" latinLnBrk="1"/>
+                      <a:r>
+                        <a:rPr lang="en-US" altLang="ko-KR" sz="1000" dirty="0"/>
+                        <a:t>50x1.4= 70</a:t>
+                      </a:r>
+                      <a:endParaRPr lang="ko-KR" altLang="en-US" sz="1000" dirty="0"/>
+                    </a:p>
+                  </a:txBody>
+                  <a:tcPr anchor="ctr"/>
+                </a:tc>
+                <a:extLst>
+                  <a:ext uri="{0D108BD9-81ED-4DB2-BD59-A6C34878D82A}">
+                    <a16:rowId xmlns:a16="http://schemas.microsoft.com/office/drawing/2014/main" val="2670889160"/>
+                  </a:ext>
+                </a:extLst>
+              </a:tr>
+              <a:tr h="441561">
+                <a:tc>
+                  <a:txBody>
+                    <a:bodyPr/>
+                    <a:lstStyle/>
+                    <a:p>
+                      <a:pPr algn="ctr" latinLnBrk="1"/>
+                      <a:r>
+                        <a:rPr lang="en-US" altLang="ko-KR" sz="1000" dirty="0"/>
+                        <a:t>51~60</a:t>
+                      </a:r>
+                    </a:p>
+                  </a:txBody>
+                  <a:tcPr anchor="ctr"/>
+                </a:tc>
+                <a:tc>
+                  <a:txBody>
+                    <a:bodyPr/>
+                    <a:lstStyle/>
+                    <a:p>
+                      <a:pPr marL="0" marR="0" lvl="0" indent="0" algn="ctr" defTabSz="914400" rtl="0" eaLnBrk="1" fontAlgn="auto" latinLnBrk="1" hangingPunct="1">
+                        <a:lnSpc>
+                          <a:spcPct val="100000"/>
+                        </a:lnSpc>
+                        <a:spcBef>
+                          <a:spcPts val="0"/>
+                        </a:spcBef>
+                        <a:spcAft>
+                          <a:spcPts val="0"/>
+                        </a:spcAft>
+                        <a:buClrTx/>
+                        <a:buSzTx/>
+                        <a:buFontTx/>
+                        <a:buNone/>
+                        <a:tabLst/>
+                        <a:defRPr/>
+                      </a:pPr>
+                      <a:r>
+                        <a:rPr lang="en-US" altLang="ko-KR" sz="1000" dirty="0"/>
+                        <a:t>1.5</a:t>
+                      </a:r>
+                      <a:endParaRPr lang="ko-KR" altLang="en-US" sz="1000" dirty="0"/>
+                    </a:p>
+                  </a:txBody>
+                  <a:tcPr anchor="ctr"/>
+                </a:tc>
+                <a:tc>
+                  <a:txBody>
+                    <a:bodyPr/>
+                    <a:lstStyle/>
+                    <a:p>
+                      <a:pPr marL="0" marR="0" lvl="0" indent="0" algn="ctr" defTabSz="914400" rtl="0" eaLnBrk="1" fontAlgn="auto" latinLnBrk="1" hangingPunct="1">
+                        <a:lnSpc>
+                          <a:spcPct val="100000"/>
+                        </a:lnSpc>
+                        <a:spcBef>
+                          <a:spcPts val="0"/>
+                        </a:spcBef>
+                        <a:spcAft>
+                          <a:spcPts val="0"/>
+                        </a:spcAft>
+                        <a:buClrTx/>
+                        <a:buSzTx/>
+                        <a:buFontTx/>
+                        <a:buNone/>
+                        <a:tabLst/>
+                        <a:defRPr/>
+                      </a:pPr>
+                      <a:r>
+                        <a:rPr lang="en-US" altLang="ko-KR" sz="1000" dirty="0"/>
+                        <a:t>60x1.5= 90</a:t>
+                      </a:r>
+                      <a:endParaRPr lang="ko-KR" altLang="en-US" sz="1000" dirty="0"/>
+                    </a:p>
+                  </a:txBody>
+                  <a:tcPr anchor="ctr"/>
+                </a:tc>
+                <a:extLst>
+                  <a:ext uri="{0D108BD9-81ED-4DB2-BD59-A6C34878D82A}">
+                    <a16:rowId xmlns:a16="http://schemas.microsoft.com/office/drawing/2014/main" val="3077181478"/>
+                  </a:ext>
+                </a:extLst>
+              </a:tr>
+              <a:tr h="441561">
+                <a:tc>
+                  <a:txBody>
+                    <a:bodyPr/>
+                    <a:lstStyle/>
+                    <a:p>
+                      <a:pPr algn="ctr" latinLnBrk="1"/>
+                      <a:r>
+                        <a:rPr lang="en-US" altLang="ko-KR" sz="1000" dirty="0"/>
+                        <a:t>61~70</a:t>
+                      </a:r>
+                    </a:p>
+                  </a:txBody>
+                  <a:tcPr anchor="ctr"/>
+                </a:tc>
+                <a:tc>
+                  <a:txBody>
+                    <a:bodyPr/>
+                    <a:lstStyle/>
+                    <a:p>
+                      <a:pPr marL="0" marR="0" lvl="0" indent="0" algn="ctr" defTabSz="914400" rtl="0" eaLnBrk="1" fontAlgn="auto" latinLnBrk="1" hangingPunct="1">
+                        <a:lnSpc>
+                          <a:spcPct val="100000"/>
+                        </a:lnSpc>
+                        <a:spcBef>
+                          <a:spcPts val="0"/>
+                        </a:spcBef>
+                        <a:spcAft>
+                          <a:spcPts val="0"/>
+                        </a:spcAft>
+                        <a:buClrTx/>
+                        <a:buSzTx/>
+                        <a:buFontTx/>
+                        <a:buNone/>
+                        <a:tabLst/>
+                        <a:defRPr/>
+                      </a:pPr>
+                      <a:r>
+                        <a:rPr lang="en-US" altLang="ko-KR" sz="1000" dirty="0"/>
+                        <a:t>1.6</a:t>
+                      </a:r>
+                      <a:endParaRPr lang="ko-KR" altLang="en-US" sz="1000" dirty="0"/>
+                    </a:p>
+                  </a:txBody>
+                  <a:tcPr anchor="ctr"/>
+                </a:tc>
+                <a:tc>
+                  <a:txBody>
+                    <a:bodyPr/>
+                    <a:lstStyle/>
+                    <a:p>
+                      <a:pPr marL="0" marR="0" lvl="0" indent="0" algn="ctr" defTabSz="914400" rtl="0" eaLnBrk="1" fontAlgn="auto" latinLnBrk="1" hangingPunct="1">
+                        <a:lnSpc>
+                          <a:spcPct val="100000"/>
+                        </a:lnSpc>
+                        <a:spcBef>
+                          <a:spcPts val="0"/>
+                        </a:spcBef>
+                        <a:spcAft>
+                          <a:spcPts val="0"/>
+                        </a:spcAft>
+                        <a:buClrTx/>
+                        <a:buSzTx/>
+                        <a:buFontTx/>
+                        <a:buNone/>
+                        <a:tabLst/>
+                        <a:defRPr/>
+                      </a:pPr>
+                      <a:r>
+                        <a:rPr lang="en-US" altLang="ko-KR" sz="1000" dirty="0"/>
+                        <a:t>70x1.6= 112</a:t>
+                      </a:r>
+                      <a:endParaRPr lang="ko-KR" altLang="en-US" sz="1000" dirty="0"/>
+                    </a:p>
+                  </a:txBody>
+                  <a:tcPr anchor="ctr"/>
+                </a:tc>
+                <a:extLst>
+                  <a:ext uri="{0D108BD9-81ED-4DB2-BD59-A6C34878D82A}">
+                    <a16:rowId xmlns:a16="http://schemas.microsoft.com/office/drawing/2014/main" val="1938461596"/>
+                  </a:ext>
+                </a:extLst>
+              </a:tr>
+            </a:tbl>
+          </a:graphicData>
+        </a:graphic>
+      </p:graphicFrame>
+      <p:pic>
+        <p:nvPicPr>
+          <p:cNvPr id="4" name="그림 3">
+            <a:extLst>
+              <a:ext uri="{FF2B5EF4-FFF2-40B4-BE49-F238E27FC236}">
+                <a16:creationId xmlns:a16="http://schemas.microsoft.com/office/drawing/2014/main" id="{9FEA0458-EB8B-407F-944C-6DC944A2CA57}"/>
+              </a:ext>
+            </a:extLst>
+          </p:cNvPr>
+          <p:cNvPicPr>
+            <a:picLocks noChangeAspect="1"/>
+          </p:cNvPicPr>
+          <p:nvPr/>
+        </p:nvPicPr>
+        <p:blipFill>
+          <a:blip r:embed="rId3"/>
+          <a:stretch>
+            <a:fillRect/>
+          </a:stretch>
+        </p:blipFill>
+        <p:spPr>
+          <a:xfrm>
+            <a:off x="5197014" y="6208286"/>
+            <a:ext cx="454229" cy="330626"/>
           </a:xfrm>
           <a:prstGeom prst="rect">
             <a:avLst/>
